--- a/Cabrales, Regel/Week 1/Unlocking Git and GitHub.pptx
+++ b/Cabrales, Regel/Week 1/Unlocking Git and GitHub.pptx
@@ -5,27 +5,28 @@
     <p:sldMasterId id="2147483696" r:id="rId4"/>
   </p:sldMasterIdLst>
   <p:notesMasterIdLst>
-    <p:notesMasterId r:id="rId23"/>
+    <p:notesMasterId r:id="rId24"/>
   </p:notesMasterIdLst>
   <p:sldIdLst>
     <p:sldId id="306" r:id="rId5"/>
-    <p:sldId id="314" r:id="rId6"/>
-    <p:sldId id="317" r:id="rId7"/>
-    <p:sldId id="321" r:id="rId8"/>
-    <p:sldId id="322" r:id="rId9"/>
-    <p:sldId id="319" r:id="rId10"/>
-    <p:sldId id="327" r:id="rId11"/>
-    <p:sldId id="323" r:id="rId12"/>
-    <p:sldId id="324" r:id="rId13"/>
-    <p:sldId id="325" r:id="rId14"/>
-    <p:sldId id="326" r:id="rId15"/>
-    <p:sldId id="328" r:id="rId16"/>
-    <p:sldId id="329" r:id="rId17"/>
-    <p:sldId id="330" r:id="rId18"/>
-    <p:sldId id="333" r:id="rId19"/>
-    <p:sldId id="334" r:id="rId20"/>
-    <p:sldId id="335" r:id="rId21"/>
-    <p:sldId id="312" r:id="rId22"/>
+    <p:sldId id="336" r:id="rId6"/>
+    <p:sldId id="314" r:id="rId7"/>
+    <p:sldId id="317" r:id="rId8"/>
+    <p:sldId id="321" r:id="rId9"/>
+    <p:sldId id="322" r:id="rId10"/>
+    <p:sldId id="319" r:id="rId11"/>
+    <p:sldId id="327" r:id="rId12"/>
+    <p:sldId id="323" r:id="rId13"/>
+    <p:sldId id="324" r:id="rId14"/>
+    <p:sldId id="325" r:id="rId15"/>
+    <p:sldId id="326" r:id="rId16"/>
+    <p:sldId id="328" r:id="rId17"/>
+    <p:sldId id="329" r:id="rId18"/>
+    <p:sldId id="330" r:id="rId19"/>
+    <p:sldId id="333" r:id="rId20"/>
+    <p:sldId id="334" r:id="rId21"/>
+    <p:sldId id="335" r:id="rId22"/>
+    <p:sldId id="312" r:id="rId23"/>
   </p:sldIdLst>
   <p:sldSz cx="12192000" cy="6858000"/>
   <p:notesSz cx="6858000" cy="9144000"/>
@@ -236,7 +237,7 @@
           <a:p>
             <a:fld id="{5EA28068-AFBD-4979-B752-9EB6F90B1386}" type="datetimeFigureOut">
               <a:rPr lang="en-US" smtClean="0"/>
-              <a:t>8/31/2023</a:t>
+              <a:t>10/2/2023</a:t>
             </a:fld>
             <a:endParaRPr lang="en-US" dirty="0"/>
           </a:p>
@@ -568,7 +569,7 @@
           <a:p>
             <a:fld id="{D5939589-3E79-4C82-AA4A-FE78234FAA59}" type="slidenum">
               <a:rPr lang="en-US" smtClean="0"/>
-              <a:t>3</a:t>
+              <a:t>4</a:t>
             </a:fld>
             <a:endParaRPr lang="en-US" dirty="0"/>
           </a:p>
@@ -652,7 +653,7 @@
           <a:p>
             <a:fld id="{D5939589-3E79-4C82-AA4A-FE78234FAA59}" type="slidenum">
               <a:rPr lang="en-US" smtClean="0"/>
-              <a:t>12</a:t>
+              <a:t>13</a:t>
             </a:fld>
             <a:endParaRPr lang="en-US" dirty="0"/>
           </a:p>
@@ -736,7 +737,7 @@
           <a:p>
             <a:fld id="{D5939589-3E79-4C82-AA4A-FE78234FAA59}" type="slidenum">
               <a:rPr lang="en-US" smtClean="0"/>
-              <a:t>13</a:t>
+              <a:t>14</a:t>
             </a:fld>
             <a:endParaRPr lang="en-US" dirty="0"/>
           </a:p>
@@ -820,7 +821,7 @@
           <a:p>
             <a:fld id="{D5939589-3E79-4C82-AA4A-FE78234FAA59}" type="slidenum">
               <a:rPr lang="en-US" smtClean="0"/>
-              <a:t>14</a:t>
+              <a:t>15</a:t>
             </a:fld>
             <a:endParaRPr lang="en-US" dirty="0"/>
           </a:p>
@@ -904,7 +905,7 @@
           <a:p>
             <a:fld id="{D5939589-3E79-4C82-AA4A-FE78234FAA59}" type="slidenum">
               <a:rPr lang="en-US" smtClean="0"/>
-              <a:t>15</a:t>
+              <a:t>16</a:t>
             </a:fld>
             <a:endParaRPr lang="en-US" dirty="0"/>
           </a:p>
@@ -988,7 +989,7 @@
           <a:p>
             <a:fld id="{D5939589-3E79-4C82-AA4A-FE78234FAA59}" type="slidenum">
               <a:rPr lang="en-US" smtClean="0"/>
-              <a:t>16</a:t>
+              <a:t>17</a:t>
             </a:fld>
             <a:endParaRPr lang="en-US" dirty="0"/>
           </a:p>
@@ -1072,7 +1073,7 @@
           <a:p>
             <a:fld id="{D5939589-3E79-4C82-AA4A-FE78234FAA59}" type="slidenum">
               <a:rPr lang="en-US" smtClean="0"/>
-              <a:t>4</a:t>
+              <a:t>5</a:t>
             </a:fld>
             <a:endParaRPr lang="en-US" dirty="0"/>
           </a:p>
@@ -1156,7 +1157,7 @@
           <a:p>
             <a:fld id="{D5939589-3E79-4C82-AA4A-FE78234FAA59}" type="slidenum">
               <a:rPr lang="en-US" smtClean="0"/>
-              <a:t>5</a:t>
+              <a:t>6</a:t>
             </a:fld>
             <a:endParaRPr lang="en-US" dirty="0"/>
           </a:p>
@@ -1240,7 +1241,7 @@
           <a:p>
             <a:fld id="{D5939589-3E79-4C82-AA4A-FE78234FAA59}" type="slidenum">
               <a:rPr lang="en-US" smtClean="0"/>
-              <a:t>6</a:t>
+              <a:t>7</a:t>
             </a:fld>
             <a:endParaRPr lang="en-US" dirty="0"/>
           </a:p>
@@ -1324,7 +1325,7 @@
           <a:p>
             <a:fld id="{D5939589-3E79-4C82-AA4A-FE78234FAA59}" type="slidenum">
               <a:rPr lang="en-US" smtClean="0"/>
-              <a:t>7</a:t>
+              <a:t>8</a:t>
             </a:fld>
             <a:endParaRPr lang="en-US" dirty="0"/>
           </a:p>
@@ -1408,7 +1409,7 @@
           <a:p>
             <a:fld id="{D5939589-3E79-4C82-AA4A-FE78234FAA59}" type="slidenum">
               <a:rPr lang="en-US" smtClean="0"/>
-              <a:t>8</a:t>
+              <a:t>9</a:t>
             </a:fld>
             <a:endParaRPr lang="en-US" dirty="0"/>
           </a:p>
@@ -1492,7 +1493,7 @@
           <a:p>
             <a:fld id="{D5939589-3E79-4C82-AA4A-FE78234FAA59}" type="slidenum">
               <a:rPr lang="en-US" smtClean="0"/>
-              <a:t>9</a:t>
+              <a:t>10</a:t>
             </a:fld>
             <a:endParaRPr lang="en-US" dirty="0"/>
           </a:p>
@@ -1576,7 +1577,7 @@
           <a:p>
             <a:fld id="{D5939589-3E79-4C82-AA4A-FE78234FAA59}" type="slidenum">
               <a:rPr lang="en-US" smtClean="0"/>
-              <a:t>10</a:t>
+              <a:t>11</a:t>
             </a:fld>
             <a:endParaRPr lang="en-US" dirty="0"/>
           </a:p>
@@ -1660,7 +1661,7 @@
           <a:p>
             <a:fld id="{D5939589-3E79-4C82-AA4A-FE78234FAA59}" type="slidenum">
               <a:rPr lang="en-US" smtClean="0"/>
-              <a:t>11</a:t>
+              <a:t>12</a:t>
             </a:fld>
             <a:endParaRPr lang="en-US" dirty="0"/>
           </a:p>
@@ -12417,7 +12418,7 @@
         </p:nvSpPr>
         <p:spPr>
           <a:xfrm>
-            <a:off x="1929384" y="1166622"/>
+            <a:off x="1929384" y="1605534"/>
             <a:ext cx="6236208" cy="2843784"/>
           </a:xfrm>
         </p:spPr>
@@ -12428,13 +12429,31 @@
           <a:lstStyle/>
           <a:p>
             <a:r>
-              <a:rPr lang="en-US" sz="4800" spc="400" dirty="0">
+              <a:rPr lang="en-US" sz="4800" spc="400" dirty="0" err="1">
                 <a:solidFill>
                   <a:schemeClr val="bg1"/>
                 </a:solidFill>
                 <a:latin typeface="Montserrat" panose="00000500000000000000" pitchFamily="2" charset="0"/>
               </a:rPr>
-              <a:t>Unlocking Git</a:t>
+              <a:t>GitHUB</a:t>
+            </a:r>
+            <a:r>
+              <a:rPr lang="en-US" sz="4800" spc="400" dirty="0">
+                <a:solidFill>
+                  <a:schemeClr val="bg1"/>
+                </a:solidFill>
+                <a:latin typeface="Montserrat" panose="00000500000000000000" pitchFamily="2" charset="0"/>
+              </a:rPr>
+              <a:t> </a:t>
+            </a:r>
+            <a:r>
+              <a:rPr lang="en-US" sz="4800" spc="400" dirty="0" err="1">
+                <a:solidFill>
+                  <a:schemeClr val="bg1"/>
+                </a:solidFill>
+                <a:latin typeface="Montserrat" panose="00000500000000000000" pitchFamily="2" charset="0"/>
+              </a:rPr>
+              <a:t>PAGes</a:t>
             </a:r>
             <a:br>
               <a:rPr lang="en-US" sz="3200" b="0" spc="400" dirty="0">
@@ -12451,46 +12470,46 @@
                 </a:solidFill>
                 <a:latin typeface="Montserrat" panose="00000500000000000000" pitchFamily="2" charset="0"/>
               </a:rPr>
-              <a:t>A Beginner's Guide to Version Control</a:t>
+              <a:t>Self Study Session</a:t>
+            </a:r>
+            <a:br>
+              <a:rPr lang="en-US" sz="3200" b="0" spc="400" dirty="0">
+                <a:solidFill>
+                  <a:schemeClr val="bg1"/>
+                </a:solidFill>
+                <a:latin typeface="Montserrat" panose="00000500000000000000" pitchFamily="2" charset="0"/>
+              </a:rPr>
+            </a:br>
+            <a:r>
+              <a:rPr lang="en-US" sz="3200" b="0" spc="400" dirty="0">
+                <a:solidFill>
+                  <a:schemeClr val="bg1"/>
+                </a:solidFill>
+                <a:latin typeface="Montserrat" panose="00000500000000000000" pitchFamily="2" charset="0"/>
+              </a:rPr>
+              <a:t>Hosting on </a:t>
+            </a:r>
+            <a:r>
+              <a:rPr lang="en-US" sz="3200" b="0" spc="400" dirty="0" err="1">
+                <a:solidFill>
+                  <a:schemeClr val="bg1"/>
+                </a:solidFill>
+                <a:latin typeface="Montserrat" panose="00000500000000000000" pitchFamily="2" charset="0"/>
+              </a:rPr>
+              <a:t>github</a:t>
+            </a:r>
+            <a:r>
+              <a:rPr lang="en-US" sz="3200" b="0" spc="400" dirty="0">
+                <a:solidFill>
+                  <a:schemeClr val="bg1"/>
+                </a:solidFill>
+                <a:latin typeface="Montserrat" panose="00000500000000000000" pitchFamily="2" charset="0"/>
+              </a:rPr>
+              <a:t> pages</a:t>
             </a:r>
             <a:endParaRPr lang="en-US" sz="4800" b="0" dirty="0">
               <a:latin typeface="Montserrat" panose="00000500000000000000" pitchFamily="2" charset="0"/>
             </a:endParaRPr>
-          </a:p>
-        </p:txBody>
-      </p:sp>
-      <p:sp>
-        <p:nvSpPr>
-          <p:cNvPr id="3" name="Subtitle 2">
-            <a:extLst>
-              <a:ext uri="{FF2B5EF4-FFF2-40B4-BE49-F238E27FC236}">
-                <a16:creationId xmlns:a16="http://schemas.microsoft.com/office/drawing/2014/main" id="{A5F14073-9F68-4B7E-A576-26899D58C7A9}"/>
-              </a:ext>
-            </a:extLst>
-          </p:cNvPr>
-          <p:cNvSpPr>
-            <a:spLocks noGrp="1"/>
-          </p:cNvSpPr>
-          <p:nvPr>
-            <p:ph type="subTitle" idx="1"/>
-          </p:nvPr>
-        </p:nvSpPr>
-        <p:spPr>
-          <a:xfrm>
-            <a:off x="6007608" y="5879592"/>
-            <a:ext cx="5093208" cy="466344"/>
-          </a:xfrm>
-        </p:spPr>
-        <p:txBody>
-          <a:bodyPr/>
-          <a:lstStyle/>
-          <a:p>
-            <a:r>
-              <a:rPr lang="en-US" dirty="0">
-                <a:latin typeface="Montserrat" panose="00000500000000000000" pitchFamily="2" charset="0"/>
-              </a:rPr>
-              <a:t>Teaching Demo by Regel Cabrales</a:t>
-            </a:r>
           </a:p>
         </p:txBody>
       </p:sp>
@@ -12589,6 +12608,53 @@
             </a:glow>
             <a:softEdge rad="127000"/>
           </a:effectLst>
+          <a:extLst>
+            <a:ext uri="{909E8E84-426E-40DD-AFC4-6F175D3DCCD1}">
+              <a14:hiddenFill xmlns:a14="http://schemas.microsoft.com/office/drawing/2010/main">
+                <a:solidFill>
+                  <a:srgbClr val="FFFFFF"/>
+                </a:solidFill>
+              </a14:hiddenFill>
+            </a:ext>
+          </a:extLst>
+        </p:spPr>
+      </p:pic>
+      <p:pic>
+        <p:nvPicPr>
+          <p:cNvPr id="1026" name="Picture 2" descr="Onecodecamp">
+            <a:extLst>
+              <a:ext uri="{FF2B5EF4-FFF2-40B4-BE49-F238E27FC236}">
+                <a16:creationId xmlns:a16="http://schemas.microsoft.com/office/drawing/2014/main" id="{A92A9DC1-4767-ED06-763F-1DF195F47A8F}"/>
+              </a:ext>
+            </a:extLst>
+          </p:cNvPr>
+          <p:cNvPicPr>
+            <a:picLocks noChangeAspect="1" noChangeArrowheads="1"/>
+          </p:cNvPicPr>
+          <p:nvPr/>
+        </p:nvPicPr>
+        <p:blipFill>
+          <a:blip r:embed="rId5">
+            <a:extLst>
+              <a:ext uri="{28A0092B-C50C-407E-A947-70E740481C1C}">
+                <a14:useLocalDpi xmlns:a14="http://schemas.microsoft.com/office/drawing/2010/main" val="0"/>
+              </a:ext>
+            </a:extLst>
+          </a:blip>
+          <a:srcRect/>
+          <a:stretch>
+            <a:fillRect/>
+          </a:stretch>
+        </p:blipFill>
+        <p:spPr bwMode="auto">
+          <a:xfrm>
+            <a:off x="7761161" y="5125346"/>
+            <a:ext cx="3851719" cy="1323841"/>
+          </a:xfrm>
+          <a:prstGeom prst="rect">
+            <a:avLst/>
+          </a:prstGeom>
+          <a:noFill/>
           <a:extLst>
             <a:ext uri="{909E8E84-426E-40DD-AFC4-6F175D3DCCD1}">
               <a14:hiddenFill xmlns:a14="http://schemas.microsoft.com/office/drawing/2010/main">
@@ -12678,6 +12744,98 @@
       </p:sp>
       <p:sp>
         <p:nvSpPr>
+          <p:cNvPr id="4" name="Content Placeholder 3">
+            <a:extLst>
+              <a:ext uri="{FF2B5EF4-FFF2-40B4-BE49-F238E27FC236}">
+                <a16:creationId xmlns:a16="http://schemas.microsoft.com/office/drawing/2014/main" id="{B0881FA9-F3B0-4912-B0E1-352094195C30}"/>
+              </a:ext>
+            </a:extLst>
+          </p:cNvPr>
+          <p:cNvSpPr>
+            <a:spLocks noGrp="1"/>
+          </p:cNvSpPr>
+          <p:nvPr>
+            <p:ph idx="1"/>
+          </p:nvPr>
+        </p:nvSpPr>
+        <p:spPr>
+          <a:xfrm>
+            <a:off x="983741" y="2430111"/>
+            <a:ext cx="6190488" cy="2208564"/>
+          </a:xfrm>
+        </p:spPr>
+        <p:txBody>
+          <a:bodyPr>
+            <a:normAutofit/>
+          </a:bodyPr>
+          <a:lstStyle/>
+          <a:p>
+            <a:pPr marL="342900" indent="-342900">
+              <a:lnSpc>
+                <a:spcPct val="100000"/>
+              </a:lnSpc>
+              <a:spcBef>
+                <a:spcPts val="600"/>
+              </a:spcBef>
+              <a:buFont typeface="Wingdings" panose="05000000000000000000" pitchFamily="2" charset="2"/>
+              <a:buChar char="ª"/>
+            </a:pPr>
+            <a:r>
+              <a:rPr lang="en-US" sz="2400" dirty="0">
+                <a:solidFill>
+                  <a:srgbClr val="100614"/>
+                </a:solidFill>
+                <a:latin typeface="Montserrat" panose="00000500000000000000" pitchFamily="2" charset="0"/>
+              </a:rPr>
+              <a:t>Container for a project you want to track with Git</a:t>
+            </a:r>
+          </a:p>
+          <a:p>
+            <a:pPr marL="342900" indent="-342900">
+              <a:lnSpc>
+                <a:spcPct val="100000"/>
+              </a:lnSpc>
+              <a:spcBef>
+                <a:spcPts val="600"/>
+              </a:spcBef>
+              <a:buFont typeface="Wingdings" panose="05000000000000000000" pitchFamily="2" charset="2"/>
+              <a:buChar char="ª"/>
+            </a:pPr>
+            <a:r>
+              <a:rPr lang="en-US" sz="2400" dirty="0">
+                <a:solidFill>
+                  <a:srgbClr val="100614"/>
+                </a:solidFill>
+                <a:latin typeface="Montserrat" panose="00000500000000000000" pitchFamily="2" charset="0"/>
+              </a:rPr>
+              <a:t>Local or Remote</a:t>
+            </a:r>
+          </a:p>
+          <a:p>
+            <a:pPr marL="342900" indent="-342900">
+              <a:lnSpc>
+                <a:spcPct val="100000"/>
+              </a:lnSpc>
+              <a:spcBef>
+                <a:spcPts val="600"/>
+              </a:spcBef>
+              <a:buFont typeface="Wingdings" panose="05000000000000000000" pitchFamily="2" charset="2"/>
+              <a:buChar char="ª"/>
+            </a:pPr>
+            <a:r>
+              <a:rPr lang="en-US" sz="2400" dirty="0">
+                <a:solidFill>
+                  <a:srgbClr val="100614"/>
+                </a:solidFill>
+                <a:latin typeface="Montserrat" panose="00000500000000000000" pitchFamily="2" charset="0"/>
+              </a:rPr>
+              <a:t>There can be multiple repo’s for different projects on your computer</a:t>
+            </a:r>
+          </a:p>
+        </p:txBody>
+      </p:sp>
+      <p:sp>
+        <p:nvSpPr>
           <p:cNvPr id="8" name="Footer Placeholder 9">
             <a:extLst>
               <a:ext uri="{FF2B5EF4-FFF2-40B4-BE49-F238E27FC236}">
@@ -12739,465 +12897,10 @@
           </a:prstGeom>
         </p:spPr>
       </p:pic>
-      <p:pic>
-        <p:nvPicPr>
-          <p:cNvPr id="9" name="Graphic 8" descr="Open folder with solid fill">
-            <a:extLst>
-              <a:ext uri="{FF2B5EF4-FFF2-40B4-BE49-F238E27FC236}">
-                <a16:creationId xmlns:a16="http://schemas.microsoft.com/office/drawing/2014/main" id="{CEEA0092-7990-D120-DD54-A7C166E739A7}"/>
-              </a:ext>
-            </a:extLst>
-          </p:cNvPr>
-          <p:cNvPicPr>
-            <a:picLocks noChangeAspect="1"/>
-          </p:cNvPicPr>
-          <p:nvPr/>
-        </p:nvPicPr>
-        <p:blipFill>
-          <a:blip r:embed="rId4">
-            <a:extLst>
-              <a:ext uri="{96DAC541-7B7A-43D3-8B79-37D633B846F1}">
-                <asvg:svgBlip xmlns:asvg="http://schemas.microsoft.com/office/drawing/2016/SVG/main" r:embed="rId5"/>
-              </a:ext>
-            </a:extLst>
-          </a:blip>
-          <a:stretch>
-            <a:fillRect/>
-          </a:stretch>
-        </p:blipFill>
-        <p:spPr>
-          <a:xfrm>
-            <a:off x="1238538" y="2219037"/>
-            <a:ext cx="732189" cy="732189"/>
-          </a:xfrm>
-          <a:prstGeom prst="rect">
-            <a:avLst/>
-          </a:prstGeom>
-        </p:spPr>
-      </p:pic>
-      <p:sp>
-        <p:nvSpPr>
-          <p:cNvPr id="10" name="Content Placeholder 3">
-            <a:extLst>
-              <a:ext uri="{FF2B5EF4-FFF2-40B4-BE49-F238E27FC236}">
-                <a16:creationId xmlns:a16="http://schemas.microsoft.com/office/drawing/2014/main" id="{7AF30069-D7A9-9DAB-051A-99F1BAD570CD}"/>
-              </a:ext>
-            </a:extLst>
-          </p:cNvPr>
-          <p:cNvSpPr>
-            <a:spLocks noGrp="1"/>
-          </p:cNvSpPr>
-          <p:nvPr>
-            <p:ph idx="1"/>
-          </p:nvPr>
-        </p:nvSpPr>
-        <p:spPr>
-          <a:xfrm>
-            <a:off x="1970727" y="2390136"/>
-            <a:ext cx="2521610" cy="2305627"/>
-          </a:xfrm>
-        </p:spPr>
-        <p:txBody>
-          <a:bodyPr>
-            <a:normAutofit/>
-          </a:bodyPr>
-          <a:lstStyle/>
-          <a:p>
-            <a:pPr>
-              <a:lnSpc>
-                <a:spcPct val="100000"/>
-              </a:lnSpc>
-              <a:spcBef>
-                <a:spcPts val="600"/>
-              </a:spcBef>
-            </a:pPr>
-            <a:r>
-              <a:rPr lang="en-US" sz="2400" dirty="0">
-                <a:solidFill>
-                  <a:srgbClr val="100614"/>
-                </a:solidFill>
-                <a:latin typeface="Montserrat" panose="00000500000000000000" pitchFamily="2" charset="0"/>
-              </a:rPr>
-              <a:t>My Project</a:t>
-            </a:r>
-          </a:p>
-          <a:p>
-            <a:pPr>
-              <a:lnSpc>
-                <a:spcPct val="100000"/>
-              </a:lnSpc>
-              <a:spcBef>
-                <a:spcPts val="600"/>
-              </a:spcBef>
-            </a:pPr>
-            <a:r>
-              <a:rPr lang="en-US" sz="2400" dirty="0">
-                <a:solidFill>
-                  <a:srgbClr val="100614"/>
-                </a:solidFill>
-                <a:latin typeface="Montserrat" panose="00000500000000000000" pitchFamily="2" charset="0"/>
-              </a:rPr>
-              <a:t>-- .</a:t>
-            </a:r>
-            <a:r>
-              <a:rPr lang="en-US" sz="2400" b="1" dirty="0">
-                <a:solidFill>
-                  <a:srgbClr val="100614"/>
-                </a:solidFill>
-                <a:latin typeface="Montserrat" panose="00000500000000000000" pitchFamily="2" charset="0"/>
-              </a:rPr>
-              <a:t>git</a:t>
-            </a:r>
-          </a:p>
-          <a:p>
-            <a:pPr>
-              <a:lnSpc>
-                <a:spcPct val="100000"/>
-              </a:lnSpc>
-              <a:spcBef>
-                <a:spcPts val="600"/>
-              </a:spcBef>
-            </a:pPr>
-            <a:r>
-              <a:rPr lang="en-US" sz="2400" dirty="0">
-                <a:solidFill>
-                  <a:srgbClr val="100614"/>
-                </a:solidFill>
-                <a:latin typeface="Montserrat" panose="00000500000000000000" pitchFamily="2" charset="0"/>
-              </a:rPr>
-              <a:t>-- index.html</a:t>
-            </a:r>
-          </a:p>
-          <a:p>
-            <a:pPr>
-              <a:lnSpc>
-                <a:spcPct val="100000"/>
-              </a:lnSpc>
-              <a:spcBef>
-                <a:spcPts val="600"/>
-              </a:spcBef>
-            </a:pPr>
-            <a:r>
-              <a:rPr lang="en-US" sz="2400" dirty="0">
-                <a:solidFill>
-                  <a:srgbClr val="100614"/>
-                </a:solidFill>
-                <a:latin typeface="Montserrat" panose="00000500000000000000" pitchFamily="2" charset="0"/>
-              </a:rPr>
-              <a:t>-- style.css</a:t>
-            </a:r>
-          </a:p>
-          <a:p>
-            <a:pPr>
-              <a:lnSpc>
-                <a:spcPct val="100000"/>
-              </a:lnSpc>
-              <a:spcBef>
-                <a:spcPts val="600"/>
-              </a:spcBef>
-            </a:pPr>
-            <a:r>
-              <a:rPr lang="en-US" sz="2400" dirty="0">
-                <a:solidFill>
-                  <a:srgbClr val="100614"/>
-                </a:solidFill>
-                <a:latin typeface="Montserrat" panose="00000500000000000000" pitchFamily="2" charset="0"/>
-              </a:rPr>
-              <a:t>--</a:t>
-            </a:r>
-          </a:p>
-        </p:txBody>
-      </p:sp>
-      <p:pic>
-        <p:nvPicPr>
-          <p:cNvPr id="11" name="Graphic 10" descr="Open folder with solid fill">
-            <a:extLst>
-              <a:ext uri="{FF2B5EF4-FFF2-40B4-BE49-F238E27FC236}">
-                <a16:creationId xmlns:a16="http://schemas.microsoft.com/office/drawing/2014/main" id="{8D090C40-407B-1861-2B5B-6D2A5BF93FF9}"/>
-              </a:ext>
-            </a:extLst>
-          </p:cNvPr>
-          <p:cNvPicPr>
-            <a:picLocks noChangeAspect="1"/>
-          </p:cNvPicPr>
-          <p:nvPr/>
-        </p:nvPicPr>
-        <p:blipFill>
-          <a:blip r:embed="rId4">
-            <a:extLst>
-              <a:ext uri="{96DAC541-7B7A-43D3-8B79-37D633B846F1}">
-                <asvg:svgBlip xmlns:asvg="http://schemas.microsoft.com/office/drawing/2016/SVG/main" r:embed="rId5"/>
-              </a:ext>
-            </a:extLst>
-          </a:blip>
-          <a:stretch>
-            <a:fillRect/>
-          </a:stretch>
-        </p:blipFill>
-        <p:spPr>
-          <a:xfrm>
-            <a:off x="2342202" y="4083300"/>
-            <a:ext cx="640689" cy="640689"/>
-          </a:xfrm>
-          <a:prstGeom prst="rect">
-            <a:avLst/>
-          </a:prstGeom>
-        </p:spPr>
-      </p:pic>
-      <p:sp>
-        <p:nvSpPr>
-          <p:cNvPr id="12" name="Content Placeholder 3">
-            <a:extLst>
-              <a:ext uri="{FF2B5EF4-FFF2-40B4-BE49-F238E27FC236}">
-                <a16:creationId xmlns:a16="http://schemas.microsoft.com/office/drawing/2014/main" id="{9C223D81-E77A-2AF6-5218-F33D88D238F0}"/>
-              </a:ext>
-            </a:extLst>
-          </p:cNvPr>
-          <p:cNvSpPr txBox="1">
-            <a:spLocks/>
-          </p:cNvSpPr>
-          <p:nvPr/>
-        </p:nvSpPr>
-        <p:spPr>
-          <a:xfrm>
-            <a:off x="2925267" y="4180391"/>
-            <a:ext cx="2610798" cy="1486539"/>
-          </a:xfrm>
-          <a:prstGeom prst="rect">
-            <a:avLst/>
-          </a:prstGeom>
-        </p:spPr>
-        <p:txBody>
-          <a:bodyPr vert="horz" lIns="91440" tIns="45720" rIns="91440" bIns="45720" rtlCol="0">
-            <a:normAutofit/>
-          </a:bodyPr>
-          <a:lstStyle>
-            <a:lvl1pPr marL="0" indent="0" algn="l" defTabSz="914400" rtl="0" eaLnBrk="1" latinLnBrk="0" hangingPunct="1">
-              <a:lnSpc>
-                <a:spcPct val="110000"/>
-              </a:lnSpc>
-              <a:spcBef>
-                <a:spcPts val="1000"/>
-              </a:spcBef>
-              <a:buFont typeface="Arial" panose="020B0604020202020204" pitchFamily="34" charset="0"/>
-              <a:buNone/>
-              <a:defRPr sz="2000" kern="1200">
-                <a:solidFill>
-                  <a:schemeClr val="tx1"/>
-                </a:solidFill>
-                <a:latin typeface="+mn-lt"/>
-                <a:ea typeface="+mn-ea"/>
-                <a:cs typeface="+mn-cs"/>
-              </a:defRPr>
-            </a:lvl1pPr>
-            <a:lvl2pPr marL="228600" indent="-228600" algn="l" defTabSz="914400" rtl="0" eaLnBrk="1" latinLnBrk="0" hangingPunct="1">
-              <a:lnSpc>
-                <a:spcPct val="90000"/>
-              </a:lnSpc>
-              <a:spcBef>
-                <a:spcPts val="500"/>
-              </a:spcBef>
-              <a:buFont typeface="Arial" panose="020B0604020202020204" pitchFamily="34" charset="0"/>
-              <a:buChar char="•"/>
-              <a:defRPr sz="1800" kern="1200">
-                <a:solidFill>
-                  <a:schemeClr val="tx1"/>
-                </a:solidFill>
-                <a:latin typeface="+mn-lt"/>
-                <a:ea typeface="+mn-ea"/>
-                <a:cs typeface="+mn-cs"/>
-              </a:defRPr>
-            </a:lvl2pPr>
-            <a:lvl3pPr marL="457200" indent="-228600" algn="l" defTabSz="914400" rtl="0" eaLnBrk="1" latinLnBrk="0" hangingPunct="1">
-              <a:lnSpc>
-                <a:spcPct val="90000"/>
-              </a:lnSpc>
-              <a:spcBef>
-                <a:spcPts val="500"/>
-              </a:spcBef>
-              <a:buFont typeface="Arial" panose="020B0604020202020204" pitchFamily="34" charset="0"/>
-              <a:buChar char="•"/>
-              <a:defRPr sz="1600" kern="1200">
-                <a:solidFill>
-                  <a:schemeClr val="tx1"/>
-                </a:solidFill>
-                <a:latin typeface="+mn-lt"/>
-                <a:ea typeface="+mn-ea"/>
-                <a:cs typeface="+mn-cs"/>
-              </a:defRPr>
-            </a:lvl3pPr>
-            <a:lvl4pPr marL="685800" indent="-228600" algn="l" defTabSz="914400" rtl="0" eaLnBrk="1" latinLnBrk="0" hangingPunct="1">
-              <a:lnSpc>
-                <a:spcPct val="90000"/>
-              </a:lnSpc>
-              <a:spcBef>
-                <a:spcPts val="500"/>
-              </a:spcBef>
-              <a:buFont typeface="Arial" panose="020B0604020202020204" pitchFamily="34" charset="0"/>
-              <a:buChar char="•"/>
-              <a:defRPr sz="1400" kern="1200">
-                <a:solidFill>
-                  <a:schemeClr val="tx1"/>
-                </a:solidFill>
-                <a:latin typeface="+mn-lt"/>
-                <a:ea typeface="+mn-ea"/>
-                <a:cs typeface="+mn-cs"/>
-              </a:defRPr>
-            </a:lvl4pPr>
-            <a:lvl5pPr marL="2057400" indent="-228600" algn="l" defTabSz="914400" rtl="0" eaLnBrk="1" latinLnBrk="0" hangingPunct="1">
-              <a:lnSpc>
-                <a:spcPct val="90000"/>
-              </a:lnSpc>
-              <a:spcBef>
-                <a:spcPts val="500"/>
-              </a:spcBef>
-              <a:buFont typeface="Arial" panose="020B0604020202020204" pitchFamily="34" charset="0"/>
-              <a:buChar char="•"/>
-              <a:defRPr sz="1400" kern="1200">
-                <a:solidFill>
-                  <a:schemeClr val="tx1"/>
-                </a:solidFill>
-                <a:latin typeface="+mn-lt"/>
-                <a:ea typeface="+mn-ea"/>
-                <a:cs typeface="+mn-cs"/>
-              </a:defRPr>
-            </a:lvl5pPr>
-            <a:lvl6pPr marL="2514600" indent="-228600" algn="l" defTabSz="914400" rtl="0" eaLnBrk="1" latinLnBrk="0" hangingPunct="1">
-              <a:lnSpc>
-                <a:spcPct val="90000"/>
-              </a:lnSpc>
-              <a:spcBef>
-                <a:spcPts val="500"/>
-              </a:spcBef>
-              <a:buFont typeface="Arial" panose="020B0604020202020204" pitchFamily="34" charset="0"/>
-              <a:buChar char="•"/>
-              <a:defRPr sz="1800" kern="1200">
-                <a:solidFill>
-                  <a:schemeClr val="tx1"/>
-                </a:solidFill>
-                <a:latin typeface="+mn-lt"/>
-                <a:ea typeface="+mn-ea"/>
-                <a:cs typeface="+mn-cs"/>
-              </a:defRPr>
-            </a:lvl6pPr>
-            <a:lvl7pPr marL="2971800" indent="-228600" algn="l" defTabSz="914400" rtl="0" eaLnBrk="1" latinLnBrk="0" hangingPunct="1">
-              <a:lnSpc>
-                <a:spcPct val="90000"/>
-              </a:lnSpc>
-              <a:spcBef>
-                <a:spcPts val="500"/>
-              </a:spcBef>
-              <a:buFont typeface="Arial" panose="020B0604020202020204" pitchFamily="34" charset="0"/>
-              <a:buChar char="•"/>
-              <a:defRPr sz="1800" kern="1200">
-                <a:solidFill>
-                  <a:schemeClr val="tx1"/>
-                </a:solidFill>
-                <a:latin typeface="+mn-lt"/>
-                <a:ea typeface="+mn-ea"/>
-                <a:cs typeface="+mn-cs"/>
-              </a:defRPr>
-            </a:lvl7pPr>
-            <a:lvl8pPr marL="3429000" indent="-228600" algn="l" defTabSz="914400" rtl="0" eaLnBrk="1" latinLnBrk="0" hangingPunct="1">
-              <a:lnSpc>
-                <a:spcPct val="90000"/>
-              </a:lnSpc>
-              <a:spcBef>
-                <a:spcPts val="500"/>
-              </a:spcBef>
-              <a:buFont typeface="Arial" panose="020B0604020202020204" pitchFamily="34" charset="0"/>
-              <a:buChar char="•"/>
-              <a:defRPr sz="1800" kern="1200">
-                <a:solidFill>
-                  <a:schemeClr val="tx1"/>
-                </a:solidFill>
-                <a:latin typeface="+mn-lt"/>
-                <a:ea typeface="+mn-ea"/>
-                <a:cs typeface="+mn-cs"/>
-              </a:defRPr>
-            </a:lvl8pPr>
-            <a:lvl9pPr marL="3886200" indent="-228600" algn="l" defTabSz="914400" rtl="0" eaLnBrk="1" latinLnBrk="0" hangingPunct="1">
-              <a:lnSpc>
-                <a:spcPct val="90000"/>
-              </a:lnSpc>
-              <a:spcBef>
-                <a:spcPts val="500"/>
-              </a:spcBef>
-              <a:buFont typeface="Arial" panose="020B0604020202020204" pitchFamily="34" charset="0"/>
-              <a:buChar char="•"/>
-              <a:defRPr sz="1800" kern="1200">
-                <a:solidFill>
-                  <a:schemeClr val="tx1"/>
-                </a:solidFill>
-                <a:latin typeface="+mn-lt"/>
-                <a:ea typeface="+mn-ea"/>
-                <a:cs typeface="+mn-cs"/>
-              </a:defRPr>
-            </a:lvl9pPr>
-          </a:lstStyle>
-          <a:p>
-            <a:pPr>
-              <a:lnSpc>
-                <a:spcPct val="100000"/>
-              </a:lnSpc>
-              <a:spcBef>
-                <a:spcPts val="600"/>
-              </a:spcBef>
-            </a:pPr>
-            <a:r>
-              <a:rPr lang="en-US" sz="2400" dirty="0">
-                <a:solidFill>
-                  <a:srgbClr val="100614"/>
-                </a:solidFill>
-                <a:latin typeface="Montserrat" panose="00000500000000000000" pitchFamily="2" charset="0"/>
-              </a:rPr>
-              <a:t>assets</a:t>
-            </a:r>
-          </a:p>
-          <a:p>
-            <a:pPr>
-              <a:lnSpc>
-                <a:spcPct val="100000"/>
-              </a:lnSpc>
-              <a:spcBef>
-                <a:spcPts val="600"/>
-              </a:spcBef>
-            </a:pPr>
-            <a:r>
-              <a:rPr lang="en-US" sz="2400" dirty="0">
-                <a:solidFill>
-                  <a:srgbClr val="100614"/>
-                </a:solidFill>
-                <a:latin typeface="Montserrat" panose="00000500000000000000" pitchFamily="2" charset="0"/>
-              </a:rPr>
-              <a:t>-- logo.png</a:t>
-            </a:r>
-          </a:p>
-          <a:p>
-            <a:pPr>
-              <a:lnSpc>
-                <a:spcPct val="100000"/>
-              </a:lnSpc>
-              <a:spcBef>
-                <a:spcPts val="600"/>
-              </a:spcBef>
-            </a:pPr>
-            <a:r>
-              <a:rPr lang="en-US" sz="2400" dirty="0">
-                <a:solidFill>
-                  <a:srgbClr val="100614"/>
-                </a:solidFill>
-                <a:latin typeface="Montserrat" panose="00000500000000000000" pitchFamily="2" charset="0"/>
-              </a:rPr>
-              <a:t>-- banner.png</a:t>
-            </a:r>
-          </a:p>
-        </p:txBody>
-      </p:sp>
     </p:spTree>
     <p:extLst>
       <p:ext uri="{BB962C8B-B14F-4D97-AF65-F5344CB8AC3E}">
-        <p14:creationId xmlns:p14="http://schemas.microsoft.com/office/powerpoint/2010/main" val="4173859426"/>
+        <p14:creationId xmlns:p14="http://schemas.microsoft.com/office/powerpoint/2010/main" val="2937777509"/>
       </p:ext>
     </p:extLst>
   </p:cSld>
@@ -13431,6 +13134,34 @@
                 </a:solidFill>
                 <a:latin typeface="Montserrat" panose="00000500000000000000" pitchFamily="2" charset="0"/>
               </a:rPr>
+              <a:t>-- .</a:t>
+            </a:r>
+            <a:r>
+              <a:rPr lang="en-US" sz="2400" b="1" dirty="0">
+                <a:solidFill>
+                  <a:srgbClr val="100614"/>
+                </a:solidFill>
+                <a:latin typeface="Montserrat" panose="00000500000000000000" pitchFamily="2" charset="0"/>
+              </a:rPr>
+              <a:t>git</a:t>
+            </a:r>
+          </a:p>
+          <a:p>
+            <a:pPr>
+              <a:lnSpc>
+                <a:spcPct val="100000"/>
+              </a:lnSpc>
+              <a:spcBef>
+                <a:spcPts val="600"/>
+              </a:spcBef>
+            </a:pPr>
+            <a:r>
+              <a:rPr lang="en-US" sz="2400" dirty="0">
+                <a:solidFill>
+                  <a:srgbClr val="100614"/>
+                </a:solidFill>
+                <a:latin typeface="Montserrat" panose="00000500000000000000" pitchFamily="2" charset="0"/>
+              </a:rPr>
               <a:t>-- index.html</a:t>
             </a:r>
           </a:p>
@@ -13502,7 +13233,7 @@
         </p:blipFill>
         <p:spPr>
           <a:xfrm>
-            <a:off x="2351727" y="3632148"/>
+            <a:off x="2342202" y="4083300"/>
             <a:ext cx="640689" cy="640689"/>
           </a:xfrm>
           <a:prstGeom prst="rect">
@@ -13526,7 +13257,7 @@
         </p:nvSpPr>
         <p:spPr>
           <a:xfrm>
-            <a:off x="2934792" y="3808916"/>
+            <a:off x="2925267" y="4180391"/>
             <a:ext cx="2610798" cy="1486539"/>
           </a:xfrm>
           <a:prstGeom prst="rect">
@@ -13535,7 +13266,7 @@
         </p:spPr>
         <p:txBody>
           <a:bodyPr vert="horz" lIns="91440" tIns="45720" rIns="91440" bIns="45720" rtlCol="0">
-            <a:normAutofit fontScale="92500" lnSpcReduction="20000"/>
+            <a:normAutofit/>
           </a:bodyPr>
           <a:lstStyle>
             <a:lvl1pPr marL="0" indent="0" algn="l" defTabSz="914400" rtl="0" eaLnBrk="1" latinLnBrk="0" hangingPunct="1">
@@ -13736,34 +13467,6 @@
                 </a:solidFill>
                 <a:latin typeface="Montserrat" panose="00000500000000000000" pitchFamily="2" charset="0"/>
               </a:rPr>
-              <a:t>-- </a:t>
-            </a:r>
-            <a:r>
-              <a:rPr lang="en-US" sz="2400" b="1" dirty="0">
-                <a:solidFill>
-                  <a:srgbClr val="100614"/>
-                </a:solidFill>
-                <a:latin typeface="Montserrat" panose="00000500000000000000" pitchFamily="2" charset="0"/>
-              </a:rPr>
-              <a:t>.git</a:t>
-            </a:r>
-          </a:p>
-          <a:p>
-            <a:pPr>
-              <a:lnSpc>
-                <a:spcPct val="100000"/>
-              </a:lnSpc>
-              <a:spcBef>
-                <a:spcPts val="600"/>
-              </a:spcBef>
-            </a:pPr>
-            <a:r>
-              <a:rPr lang="en-US" sz="2400" dirty="0">
-                <a:solidFill>
-                  <a:srgbClr val="100614"/>
-                </a:solidFill>
-                <a:latin typeface="Montserrat" panose="00000500000000000000" pitchFamily="2" charset="0"/>
-              </a:rPr>
               <a:t>-- logo.png</a:t>
             </a:r>
           </a:p>
@@ -13791,7 +13494,7 @@
     </p:spTree>
     <p:extLst>
       <p:ext uri="{BB962C8B-B14F-4D97-AF65-F5344CB8AC3E}">
-        <p14:creationId xmlns:p14="http://schemas.microsoft.com/office/powerpoint/2010/main" val="237665018"/>
+        <p14:creationId xmlns:p14="http://schemas.microsoft.com/office/powerpoint/2010/main" val="4173859426"/>
       </p:ext>
     </p:extLst>
   </p:cSld>
@@ -13842,6 +13545,600 @@
         </p:spPr>
         <p:txBody>
           <a:bodyPr>
+            <a:normAutofit fontScale="90000"/>
+          </a:bodyPr>
+          <a:lstStyle/>
+          <a:p>
+            <a:r>
+              <a:rPr lang="en-US" sz="4800" dirty="0">
+                <a:solidFill>
+                  <a:srgbClr val="100614"/>
+                </a:solidFill>
+                <a:latin typeface="Montserrat" panose="00000500000000000000" pitchFamily="2" charset="0"/>
+              </a:rPr>
+              <a:t>Repositories (Repo’s)</a:t>
+            </a:r>
+            <a:endParaRPr lang="en-US" sz="7200" dirty="0">
+              <a:solidFill>
+                <a:srgbClr val="100614"/>
+              </a:solidFill>
+              <a:latin typeface="Montserrat" panose="00000500000000000000" pitchFamily="2" charset="0"/>
+            </a:endParaRPr>
+          </a:p>
+        </p:txBody>
+      </p:sp>
+      <p:sp>
+        <p:nvSpPr>
+          <p:cNvPr id="8" name="Footer Placeholder 9">
+            <a:extLst>
+              <a:ext uri="{FF2B5EF4-FFF2-40B4-BE49-F238E27FC236}">
+                <a16:creationId xmlns:a16="http://schemas.microsoft.com/office/drawing/2014/main" id="{82C076CE-C655-6690-CD8B-EA9D8783F50A}"/>
+              </a:ext>
+            </a:extLst>
+          </p:cNvPr>
+          <p:cNvSpPr>
+            <a:spLocks noGrp="1"/>
+          </p:cNvSpPr>
+          <p:nvPr>
+            <p:ph type="ftr" sz="quarter" idx="11"/>
+          </p:nvPr>
+        </p:nvSpPr>
+        <p:spPr>
+          <a:xfrm>
+            <a:off x="7981949" y="617537"/>
+            <a:ext cx="3800476" cy="365125"/>
+          </a:xfrm>
+        </p:spPr>
+        <p:txBody>
+          <a:bodyPr/>
+          <a:lstStyle/>
+          <a:p>
+            <a:r>
+              <a:rPr lang="en-US" sz="1400" dirty="0"/>
+              <a:t>What is Git and how it works</a:t>
+            </a:r>
+          </a:p>
+        </p:txBody>
+      </p:sp>
+      <p:pic>
+        <p:nvPicPr>
+          <p:cNvPr id="2" name="Picture 1">
+            <a:extLst>
+              <a:ext uri="{FF2B5EF4-FFF2-40B4-BE49-F238E27FC236}">
+                <a16:creationId xmlns:a16="http://schemas.microsoft.com/office/drawing/2014/main" id="{AEAB29A9-4FC9-5C87-5907-02834106BB1C}"/>
+              </a:ext>
+            </a:extLst>
+          </p:cNvPr>
+          <p:cNvPicPr>
+            <a:picLocks noChangeAspect="1"/>
+          </p:cNvPicPr>
+          <p:nvPr/>
+        </p:nvPicPr>
+        <p:blipFill>
+          <a:blip r:embed="rId3"/>
+          <a:stretch>
+            <a:fillRect/>
+          </a:stretch>
+        </p:blipFill>
+        <p:spPr>
+          <a:xfrm>
+            <a:off x="8048624" y="1498807"/>
+            <a:ext cx="2904838" cy="2904838"/>
+          </a:xfrm>
+          <a:prstGeom prst="rect">
+            <a:avLst/>
+          </a:prstGeom>
+        </p:spPr>
+      </p:pic>
+      <p:pic>
+        <p:nvPicPr>
+          <p:cNvPr id="9" name="Graphic 8" descr="Open folder with solid fill">
+            <a:extLst>
+              <a:ext uri="{FF2B5EF4-FFF2-40B4-BE49-F238E27FC236}">
+                <a16:creationId xmlns:a16="http://schemas.microsoft.com/office/drawing/2014/main" id="{CEEA0092-7990-D120-DD54-A7C166E739A7}"/>
+              </a:ext>
+            </a:extLst>
+          </p:cNvPr>
+          <p:cNvPicPr>
+            <a:picLocks noChangeAspect="1"/>
+          </p:cNvPicPr>
+          <p:nvPr/>
+        </p:nvPicPr>
+        <p:blipFill>
+          <a:blip r:embed="rId4">
+            <a:extLst>
+              <a:ext uri="{96DAC541-7B7A-43D3-8B79-37D633B846F1}">
+                <asvg:svgBlip xmlns:asvg="http://schemas.microsoft.com/office/drawing/2016/SVG/main" r:embed="rId5"/>
+              </a:ext>
+            </a:extLst>
+          </a:blip>
+          <a:stretch>
+            <a:fillRect/>
+          </a:stretch>
+        </p:blipFill>
+        <p:spPr>
+          <a:xfrm>
+            <a:off x="1238538" y="2219037"/>
+            <a:ext cx="732189" cy="732189"/>
+          </a:xfrm>
+          <a:prstGeom prst="rect">
+            <a:avLst/>
+          </a:prstGeom>
+        </p:spPr>
+      </p:pic>
+      <p:sp>
+        <p:nvSpPr>
+          <p:cNvPr id="10" name="Content Placeholder 3">
+            <a:extLst>
+              <a:ext uri="{FF2B5EF4-FFF2-40B4-BE49-F238E27FC236}">
+                <a16:creationId xmlns:a16="http://schemas.microsoft.com/office/drawing/2014/main" id="{7AF30069-D7A9-9DAB-051A-99F1BAD570CD}"/>
+              </a:ext>
+            </a:extLst>
+          </p:cNvPr>
+          <p:cNvSpPr>
+            <a:spLocks noGrp="1"/>
+          </p:cNvSpPr>
+          <p:nvPr>
+            <p:ph idx="1"/>
+          </p:nvPr>
+        </p:nvSpPr>
+        <p:spPr>
+          <a:xfrm>
+            <a:off x="1970727" y="2390136"/>
+            <a:ext cx="2521610" cy="2305627"/>
+          </a:xfrm>
+        </p:spPr>
+        <p:txBody>
+          <a:bodyPr>
+            <a:normAutofit/>
+          </a:bodyPr>
+          <a:lstStyle/>
+          <a:p>
+            <a:pPr>
+              <a:lnSpc>
+                <a:spcPct val="100000"/>
+              </a:lnSpc>
+              <a:spcBef>
+                <a:spcPts val="600"/>
+              </a:spcBef>
+            </a:pPr>
+            <a:r>
+              <a:rPr lang="en-US" sz="2400" dirty="0">
+                <a:solidFill>
+                  <a:srgbClr val="100614"/>
+                </a:solidFill>
+                <a:latin typeface="Montserrat" panose="00000500000000000000" pitchFamily="2" charset="0"/>
+              </a:rPr>
+              <a:t>My Project</a:t>
+            </a:r>
+          </a:p>
+          <a:p>
+            <a:pPr>
+              <a:lnSpc>
+                <a:spcPct val="100000"/>
+              </a:lnSpc>
+              <a:spcBef>
+                <a:spcPts val="600"/>
+              </a:spcBef>
+            </a:pPr>
+            <a:r>
+              <a:rPr lang="en-US" sz="2400" dirty="0">
+                <a:solidFill>
+                  <a:srgbClr val="100614"/>
+                </a:solidFill>
+                <a:latin typeface="Montserrat" panose="00000500000000000000" pitchFamily="2" charset="0"/>
+              </a:rPr>
+              <a:t>-- index.html</a:t>
+            </a:r>
+          </a:p>
+          <a:p>
+            <a:pPr>
+              <a:lnSpc>
+                <a:spcPct val="100000"/>
+              </a:lnSpc>
+              <a:spcBef>
+                <a:spcPts val="600"/>
+              </a:spcBef>
+            </a:pPr>
+            <a:r>
+              <a:rPr lang="en-US" sz="2400" dirty="0">
+                <a:solidFill>
+                  <a:srgbClr val="100614"/>
+                </a:solidFill>
+                <a:latin typeface="Montserrat" panose="00000500000000000000" pitchFamily="2" charset="0"/>
+              </a:rPr>
+              <a:t>-- style.css</a:t>
+            </a:r>
+          </a:p>
+          <a:p>
+            <a:pPr>
+              <a:lnSpc>
+                <a:spcPct val="100000"/>
+              </a:lnSpc>
+              <a:spcBef>
+                <a:spcPts val="600"/>
+              </a:spcBef>
+            </a:pPr>
+            <a:r>
+              <a:rPr lang="en-US" sz="2400" dirty="0">
+                <a:solidFill>
+                  <a:srgbClr val="100614"/>
+                </a:solidFill>
+                <a:latin typeface="Montserrat" panose="00000500000000000000" pitchFamily="2" charset="0"/>
+              </a:rPr>
+              <a:t>--</a:t>
+            </a:r>
+          </a:p>
+        </p:txBody>
+      </p:sp>
+      <p:pic>
+        <p:nvPicPr>
+          <p:cNvPr id="11" name="Graphic 10" descr="Open folder with solid fill">
+            <a:extLst>
+              <a:ext uri="{FF2B5EF4-FFF2-40B4-BE49-F238E27FC236}">
+                <a16:creationId xmlns:a16="http://schemas.microsoft.com/office/drawing/2014/main" id="{8D090C40-407B-1861-2B5B-6D2A5BF93FF9}"/>
+              </a:ext>
+            </a:extLst>
+          </p:cNvPr>
+          <p:cNvPicPr>
+            <a:picLocks noChangeAspect="1"/>
+          </p:cNvPicPr>
+          <p:nvPr/>
+        </p:nvPicPr>
+        <p:blipFill>
+          <a:blip r:embed="rId4">
+            <a:extLst>
+              <a:ext uri="{96DAC541-7B7A-43D3-8B79-37D633B846F1}">
+                <asvg:svgBlip xmlns:asvg="http://schemas.microsoft.com/office/drawing/2016/SVG/main" r:embed="rId5"/>
+              </a:ext>
+            </a:extLst>
+          </a:blip>
+          <a:stretch>
+            <a:fillRect/>
+          </a:stretch>
+        </p:blipFill>
+        <p:spPr>
+          <a:xfrm>
+            <a:off x="2351727" y="3632148"/>
+            <a:ext cx="640689" cy="640689"/>
+          </a:xfrm>
+          <a:prstGeom prst="rect">
+            <a:avLst/>
+          </a:prstGeom>
+        </p:spPr>
+      </p:pic>
+      <p:sp>
+        <p:nvSpPr>
+          <p:cNvPr id="12" name="Content Placeholder 3">
+            <a:extLst>
+              <a:ext uri="{FF2B5EF4-FFF2-40B4-BE49-F238E27FC236}">
+                <a16:creationId xmlns:a16="http://schemas.microsoft.com/office/drawing/2014/main" id="{9C223D81-E77A-2AF6-5218-F33D88D238F0}"/>
+              </a:ext>
+            </a:extLst>
+          </p:cNvPr>
+          <p:cNvSpPr txBox="1">
+            <a:spLocks/>
+          </p:cNvSpPr>
+          <p:nvPr/>
+        </p:nvSpPr>
+        <p:spPr>
+          <a:xfrm>
+            <a:off x="2934792" y="3808916"/>
+            <a:ext cx="2610798" cy="1486539"/>
+          </a:xfrm>
+          <a:prstGeom prst="rect">
+            <a:avLst/>
+          </a:prstGeom>
+        </p:spPr>
+        <p:txBody>
+          <a:bodyPr vert="horz" lIns="91440" tIns="45720" rIns="91440" bIns="45720" rtlCol="0">
+            <a:normAutofit fontScale="92500" lnSpcReduction="20000"/>
+          </a:bodyPr>
+          <a:lstStyle>
+            <a:lvl1pPr marL="0" indent="0" algn="l" defTabSz="914400" rtl="0" eaLnBrk="1" latinLnBrk="0" hangingPunct="1">
+              <a:lnSpc>
+                <a:spcPct val="110000"/>
+              </a:lnSpc>
+              <a:spcBef>
+                <a:spcPts val="1000"/>
+              </a:spcBef>
+              <a:buFont typeface="Arial" panose="020B0604020202020204" pitchFamily="34" charset="0"/>
+              <a:buNone/>
+              <a:defRPr sz="2000" kern="1200">
+                <a:solidFill>
+                  <a:schemeClr val="tx1"/>
+                </a:solidFill>
+                <a:latin typeface="+mn-lt"/>
+                <a:ea typeface="+mn-ea"/>
+                <a:cs typeface="+mn-cs"/>
+              </a:defRPr>
+            </a:lvl1pPr>
+            <a:lvl2pPr marL="228600" indent="-228600" algn="l" defTabSz="914400" rtl="0" eaLnBrk="1" latinLnBrk="0" hangingPunct="1">
+              <a:lnSpc>
+                <a:spcPct val="90000"/>
+              </a:lnSpc>
+              <a:spcBef>
+                <a:spcPts val="500"/>
+              </a:spcBef>
+              <a:buFont typeface="Arial" panose="020B0604020202020204" pitchFamily="34" charset="0"/>
+              <a:buChar char="•"/>
+              <a:defRPr sz="1800" kern="1200">
+                <a:solidFill>
+                  <a:schemeClr val="tx1"/>
+                </a:solidFill>
+                <a:latin typeface="+mn-lt"/>
+                <a:ea typeface="+mn-ea"/>
+                <a:cs typeface="+mn-cs"/>
+              </a:defRPr>
+            </a:lvl2pPr>
+            <a:lvl3pPr marL="457200" indent="-228600" algn="l" defTabSz="914400" rtl="0" eaLnBrk="1" latinLnBrk="0" hangingPunct="1">
+              <a:lnSpc>
+                <a:spcPct val="90000"/>
+              </a:lnSpc>
+              <a:spcBef>
+                <a:spcPts val="500"/>
+              </a:spcBef>
+              <a:buFont typeface="Arial" panose="020B0604020202020204" pitchFamily="34" charset="0"/>
+              <a:buChar char="•"/>
+              <a:defRPr sz="1600" kern="1200">
+                <a:solidFill>
+                  <a:schemeClr val="tx1"/>
+                </a:solidFill>
+                <a:latin typeface="+mn-lt"/>
+                <a:ea typeface="+mn-ea"/>
+                <a:cs typeface="+mn-cs"/>
+              </a:defRPr>
+            </a:lvl3pPr>
+            <a:lvl4pPr marL="685800" indent="-228600" algn="l" defTabSz="914400" rtl="0" eaLnBrk="1" latinLnBrk="0" hangingPunct="1">
+              <a:lnSpc>
+                <a:spcPct val="90000"/>
+              </a:lnSpc>
+              <a:spcBef>
+                <a:spcPts val="500"/>
+              </a:spcBef>
+              <a:buFont typeface="Arial" panose="020B0604020202020204" pitchFamily="34" charset="0"/>
+              <a:buChar char="•"/>
+              <a:defRPr sz="1400" kern="1200">
+                <a:solidFill>
+                  <a:schemeClr val="tx1"/>
+                </a:solidFill>
+                <a:latin typeface="+mn-lt"/>
+                <a:ea typeface="+mn-ea"/>
+                <a:cs typeface="+mn-cs"/>
+              </a:defRPr>
+            </a:lvl4pPr>
+            <a:lvl5pPr marL="2057400" indent="-228600" algn="l" defTabSz="914400" rtl="0" eaLnBrk="1" latinLnBrk="0" hangingPunct="1">
+              <a:lnSpc>
+                <a:spcPct val="90000"/>
+              </a:lnSpc>
+              <a:spcBef>
+                <a:spcPts val="500"/>
+              </a:spcBef>
+              <a:buFont typeface="Arial" panose="020B0604020202020204" pitchFamily="34" charset="0"/>
+              <a:buChar char="•"/>
+              <a:defRPr sz="1400" kern="1200">
+                <a:solidFill>
+                  <a:schemeClr val="tx1"/>
+                </a:solidFill>
+                <a:latin typeface="+mn-lt"/>
+                <a:ea typeface="+mn-ea"/>
+                <a:cs typeface="+mn-cs"/>
+              </a:defRPr>
+            </a:lvl5pPr>
+            <a:lvl6pPr marL="2514600" indent="-228600" algn="l" defTabSz="914400" rtl="0" eaLnBrk="1" latinLnBrk="0" hangingPunct="1">
+              <a:lnSpc>
+                <a:spcPct val="90000"/>
+              </a:lnSpc>
+              <a:spcBef>
+                <a:spcPts val="500"/>
+              </a:spcBef>
+              <a:buFont typeface="Arial" panose="020B0604020202020204" pitchFamily="34" charset="0"/>
+              <a:buChar char="•"/>
+              <a:defRPr sz="1800" kern="1200">
+                <a:solidFill>
+                  <a:schemeClr val="tx1"/>
+                </a:solidFill>
+                <a:latin typeface="+mn-lt"/>
+                <a:ea typeface="+mn-ea"/>
+                <a:cs typeface="+mn-cs"/>
+              </a:defRPr>
+            </a:lvl6pPr>
+            <a:lvl7pPr marL="2971800" indent="-228600" algn="l" defTabSz="914400" rtl="0" eaLnBrk="1" latinLnBrk="0" hangingPunct="1">
+              <a:lnSpc>
+                <a:spcPct val="90000"/>
+              </a:lnSpc>
+              <a:spcBef>
+                <a:spcPts val="500"/>
+              </a:spcBef>
+              <a:buFont typeface="Arial" panose="020B0604020202020204" pitchFamily="34" charset="0"/>
+              <a:buChar char="•"/>
+              <a:defRPr sz="1800" kern="1200">
+                <a:solidFill>
+                  <a:schemeClr val="tx1"/>
+                </a:solidFill>
+                <a:latin typeface="+mn-lt"/>
+                <a:ea typeface="+mn-ea"/>
+                <a:cs typeface="+mn-cs"/>
+              </a:defRPr>
+            </a:lvl7pPr>
+            <a:lvl8pPr marL="3429000" indent="-228600" algn="l" defTabSz="914400" rtl="0" eaLnBrk="1" latinLnBrk="0" hangingPunct="1">
+              <a:lnSpc>
+                <a:spcPct val="90000"/>
+              </a:lnSpc>
+              <a:spcBef>
+                <a:spcPts val="500"/>
+              </a:spcBef>
+              <a:buFont typeface="Arial" panose="020B0604020202020204" pitchFamily="34" charset="0"/>
+              <a:buChar char="•"/>
+              <a:defRPr sz="1800" kern="1200">
+                <a:solidFill>
+                  <a:schemeClr val="tx1"/>
+                </a:solidFill>
+                <a:latin typeface="+mn-lt"/>
+                <a:ea typeface="+mn-ea"/>
+                <a:cs typeface="+mn-cs"/>
+              </a:defRPr>
+            </a:lvl8pPr>
+            <a:lvl9pPr marL="3886200" indent="-228600" algn="l" defTabSz="914400" rtl="0" eaLnBrk="1" latinLnBrk="0" hangingPunct="1">
+              <a:lnSpc>
+                <a:spcPct val="90000"/>
+              </a:lnSpc>
+              <a:spcBef>
+                <a:spcPts val="500"/>
+              </a:spcBef>
+              <a:buFont typeface="Arial" panose="020B0604020202020204" pitchFamily="34" charset="0"/>
+              <a:buChar char="•"/>
+              <a:defRPr sz="1800" kern="1200">
+                <a:solidFill>
+                  <a:schemeClr val="tx1"/>
+                </a:solidFill>
+                <a:latin typeface="+mn-lt"/>
+                <a:ea typeface="+mn-ea"/>
+                <a:cs typeface="+mn-cs"/>
+              </a:defRPr>
+            </a:lvl9pPr>
+          </a:lstStyle>
+          <a:p>
+            <a:pPr>
+              <a:lnSpc>
+                <a:spcPct val="100000"/>
+              </a:lnSpc>
+              <a:spcBef>
+                <a:spcPts val="600"/>
+              </a:spcBef>
+            </a:pPr>
+            <a:r>
+              <a:rPr lang="en-US" sz="2400" dirty="0">
+                <a:solidFill>
+                  <a:srgbClr val="100614"/>
+                </a:solidFill>
+                <a:latin typeface="Montserrat" panose="00000500000000000000" pitchFamily="2" charset="0"/>
+              </a:rPr>
+              <a:t>assets</a:t>
+            </a:r>
+          </a:p>
+          <a:p>
+            <a:pPr>
+              <a:lnSpc>
+                <a:spcPct val="100000"/>
+              </a:lnSpc>
+              <a:spcBef>
+                <a:spcPts val="600"/>
+              </a:spcBef>
+            </a:pPr>
+            <a:r>
+              <a:rPr lang="en-US" sz="2400" dirty="0">
+                <a:solidFill>
+                  <a:srgbClr val="100614"/>
+                </a:solidFill>
+                <a:latin typeface="Montserrat" panose="00000500000000000000" pitchFamily="2" charset="0"/>
+              </a:rPr>
+              <a:t>-- </a:t>
+            </a:r>
+            <a:r>
+              <a:rPr lang="en-US" sz="2400" b="1" dirty="0">
+                <a:solidFill>
+                  <a:srgbClr val="100614"/>
+                </a:solidFill>
+                <a:latin typeface="Montserrat" panose="00000500000000000000" pitchFamily="2" charset="0"/>
+              </a:rPr>
+              <a:t>.git</a:t>
+            </a:r>
+          </a:p>
+          <a:p>
+            <a:pPr>
+              <a:lnSpc>
+                <a:spcPct val="100000"/>
+              </a:lnSpc>
+              <a:spcBef>
+                <a:spcPts val="600"/>
+              </a:spcBef>
+            </a:pPr>
+            <a:r>
+              <a:rPr lang="en-US" sz="2400" dirty="0">
+                <a:solidFill>
+                  <a:srgbClr val="100614"/>
+                </a:solidFill>
+                <a:latin typeface="Montserrat" panose="00000500000000000000" pitchFamily="2" charset="0"/>
+              </a:rPr>
+              <a:t>-- logo.png</a:t>
+            </a:r>
+          </a:p>
+          <a:p>
+            <a:pPr>
+              <a:lnSpc>
+                <a:spcPct val="100000"/>
+              </a:lnSpc>
+              <a:spcBef>
+                <a:spcPts val="600"/>
+              </a:spcBef>
+            </a:pPr>
+            <a:r>
+              <a:rPr lang="en-US" sz="2400" dirty="0">
+                <a:solidFill>
+                  <a:srgbClr val="100614"/>
+                </a:solidFill>
+                <a:latin typeface="Montserrat" panose="00000500000000000000" pitchFamily="2" charset="0"/>
+              </a:rPr>
+              <a:t>-- banner.png</a:t>
+            </a:r>
+          </a:p>
+        </p:txBody>
+      </p:sp>
+    </p:spTree>
+    <p:extLst>
+      <p:ext uri="{BB962C8B-B14F-4D97-AF65-F5344CB8AC3E}">
+        <p14:creationId xmlns:p14="http://schemas.microsoft.com/office/powerpoint/2010/main" val="237665018"/>
+      </p:ext>
+    </p:extLst>
+  </p:cSld>
+  <p:clrMapOvr>
+    <a:masterClrMapping/>
+  </p:clrMapOvr>
+</p:sld>
+</file>
+
+<file path=ppt/slides/slide13.xml><?xml version="1.0" encoding="utf-8"?>
+<p:sld xmlns:a="http://schemas.openxmlformats.org/drawingml/2006/main" xmlns:r="http://schemas.openxmlformats.org/officeDocument/2006/relationships" xmlns:p="http://schemas.openxmlformats.org/presentationml/2006/main">
+  <p:cSld>
+    <p:spTree>
+      <p:nvGrpSpPr>
+        <p:cNvPr id="1" name=""/>
+        <p:cNvGrpSpPr/>
+        <p:nvPr/>
+      </p:nvGrpSpPr>
+      <p:grpSpPr>
+        <a:xfrm>
+          <a:off x="0" y="0"/>
+          <a:ext cx="0" cy="0"/>
+          <a:chOff x="0" y="0"/>
+          <a:chExt cx="0" cy="0"/>
+        </a:xfrm>
+      </p:grpSpPr>
+      <p:sp>
+        <p:nvSpPr>
+          <p:cNvPr id="3" name="Title 2">
+            <a:extLst>
+              <a:ext uri="{FF2B5EF4-FFF2-40B4-BE49-F238E27FC236}">
+                <a16:creationId xmlns:a16="http://schemas.microsoft.com/office/drawing/2014/main" id="{0115FF41-AFA4-4D25-AB42-AB034F4B4FEC}"/>
+              </a:ext>
+            </a:extLst>
+          </p:cNvPr>
+          <p:cNvSpPr>
+            <a:spLocks noGrp="1"/>
+          </p:cNvSpPr>
+          <p:nvPr>
+            <p:ph type="title"/>
+          </p:nvPr>
+        </p:nvSpPr>
+        <p:spPr>
+          <a:xfrm>
+            <a:off x="736091" y="982662"/>
+            <a:ext cx="6112383" cy="1179576"/>
+          </a:xfrm>
+        </p:spPr>
+        <p:txBody>
+          <a:bodyPr>
             <a:normAutofit/>
           </a:bodyPr>
           <a:lstStyle/>
@@ -14020,7 +14317,7 @@
 </p:sld>
 </file>
 
-<file path=ppt/slides/slide13.xml><?xml version="1.0" encoding="utf-8"?>
+<file path=ppt/slides/slide14.xml><?xml version="1.0" encoding="utf-8"?>
 <p:sld xmlns:a="http://schemas.openxmlformats.org/drawingml/2006/main" xmlns:r="http://schemas.openxmlformats.org/officeDocument/2006/relationships" xmlns:p="http://schemas.openxmlformats.org/presentationml/2006/main">
   <p:cSld>
     <p:spTree>
@@ -15065,7 +15362,7 @@
 </p:sld>
 </file>
 
-<file path=ppt/slides/slide14.xml><?xml version="1.0" encoding="utf-8"?>
+<file path=ppt/slides/slide15.xml><?xml version="1.0" encoding="utf-8"?>
 <p:sld xmlns:a="http://schemas.openxmlformats.org/drawingml/2006/main" xmlns:r="http://schemas.openxmlformats.org/officeDocument/2006/relationships" xmlns:p="http://schemas.openxmlformats.org/presentationml/2006/main">
   <p:cSld>
     <p:spTree>
@@ -16743,7 +17040,7 @@
 </p:sld>
 </file>
 
-<file path=ppt/slides/slide15.xml><?xml version="1.0" encoding="utf-8"?>
+<file path=ppt/slides/slide16.xml><?xml version="1.0" encoding="utf-8"?>
 <p:sld xmlns:a="http://schemas.openxmlformats.org/drawingml/2006/main" xmlns:r="http://schemas.openxmlformats.org/officeDocument/2006/relationships" xmlns:p="http://schemas.openxmlformats.org/presentationml/2006/main">
   <p:cSld>
     <p:spTree>
@@ -17291,7 +17588,7 @@
 </p:sld>
 </file>
 
-<file path=ppt/slides/slide16.xml><?xml version="1.0" encoding="utf-8"?>
+<file path=ppt/slides/slide17.xml><?xml version="1.0" encoding="utf-8"?>
 <p:sld xmlns:a="http://schemas.openxmlformats.org/drawingml/2006/main" xmlns:r="http://schemas.openxmlformats.org/officeDocument/2006/relationships" xmlns:p="http://schemas.openxmlformats.org/presentationml/2006/main">
   <p:cSld>
     <p:spTree>
@@ -18445,7 +18742,7 @@
 </p:sld>
 </file>
 
-<file path=ppt/slides/slide17.xml><?xml version="1.0" encoding="utf-8"?>
+<file path=ppt/slides/slide18.xml><?xml version="1.0" encoding="utf-8"?>
 <p:sld xmlns:a="http://schemas.openxmlformats.org/drawingml/2006/main" xmlns:r="http://schemas.openxmlformats.org/officeDocument/2006/relationships" xmlns:p="http://schemas.openxmlformats.org/presentationml/2006/main">
   <p:cSld>
     <p:bg>
@@ -18920,7 +19217,7 @@
             <a:fld id="{D8DA9DAA-006C-4F4B-980E-E3DF019B24E2}" type="slidenum">
               <a:rPr lang="en-US" smtClean="0"/>
               <a:pPr/>
-              <a:t>17</a:t>
+              <a:t>18</a:t>
             </a:fld>
             <a:endParaRPr lang="en-US" dirty="0"/>
           </a:p>
@@ -19011,7 +19308,7 @@
 </p:sld>
 </file>
 
-<file path=ppt/slides/slide18.xml><?xml version="1.0" encoding="utf-8"?>
+<file path=ppt/slides/slide19.xml><?xml version="1.0" encoding="utf-8"?>
 <p:sld xmlns:a="http://schemas.openxmlformats.org/drawingml/2006/main" xmlns:r="http://schemas.openxmlformats.org/officeDocument/2006/relationships" xmlns:p="http://schemas.openxmlformats.org/presentationml/2006/main">
   <p:cSld>
     <p:bg>
@@ -19306,6 +19603,256 @@
       </p:grpSpPr>
       <p:sp>
         <p:nvSpPr>
+          <p:cNvPr id="2" name="Title 1">
+            <a:extLst>
+              <a:ext uri="{FF2B5EF4-FFF2-40B4-BE49-F238E27FC236}">
+                <a16:creationId xmlns:a16="http://schemas.microsoft.com/office/drawing/2014/main" id="{C3A9968B-2619-4F71-AB00-4C493E120805}"/>
+              </a:ext>
+            </a:extLst>
+          </p:cNvPr>
+          <p:cNvSpPr>
+            <a:spLocks noGrp="1"/>
+          </p:cNvSpPr>
+          <p:nvPr>
+            <p:ph type="ctrTitle"/>
+          </p:nvPr>
+        </p:nvSpPr>
+        <p:spPr>
+          <a:xfrm>
+            <a:off x="1929384" y="1166622"/>
+            <a:ext cx="6236208" cy="2843784"/>
+          </a:xfrm>
+        </p:spPr>
+        <p:txBody>
+          <a:bodyPr>
+            <a:noAutofit/>
+          </a:bodyPr>
+          <a:lstStyle/>
+          <a:p>
+            <a:r>
+              <a:rPr lang="en-US" sz="4800" spc="400" dirty="0">
+                <a:solidFill>
+                  <a:schemeClr val="bg1"/>
+                </a:solidFill>
+                <a:latin typeface="Montserrat" panose="00000500000000000000" pitchFamily="2" charset="0"/>
+              </a:rPr>
+              <a:t>Unlocking Git</a:t>
+            </a:r>
+            <a:br>
+              <a:rPr lang="en-US" sz="3200" b="0" spc="400" dirty="0">
+                <a:solidFill>
+                  <a:schemeClr val="bg1"/>
+                </a:solidFill>
+                <a:latin typeface="Montserrat" panose="00000500000000000000" pitchFamily="2" charset="0"/>
+              </a:rPr>
+            </a:br>
+            <a:r>
+              <a:rPr lang="en-US" sz="3200" b="0" spc="400" dirty="0">
+                <a:solidFill>
+                  <a:schemeClr val="bg1"/>
+                </a:solidFill>
+                <a:latin typeface="Montserrat" panose="00000500000000000000" pitchFamily="2" charset="0"/>
+              </a:rPr>
+              <a:t>A Beginner's Guide to Version Control</a:t>
+            </a:r>
+            <a:endParaRPr lang="en-US" sz="4800" b="0" dirty="0">
+              <a:latin typeface="Montserrat" panose="00000500000000000000" pitchFamily="2" charset="0"/>
+            </a:endParaRPr>
+          </a:p>
+        </p:txBody>
+      </p:sp>
+      <p:sp>
+        <p:nvSpPr>
+          <p:cNvPr id="3" name="Subtitle 2">
+            <a:extLst>
+              <a:ext uri="{FF2B5EF4-FFF2-40B4-BE49-F238E27FC236}">
+                <a16:creationId xmlns:a16="http://schemas.microsoft.com/office/drawing/2014/main" id="{A5F14073-9F68-4B7E-A576-26899D58C7A9}"/>
+              </a:ext>
+            </a:extLst>
+          </p:cNvPr>
+          <p:cNvSpPr>
+            <a:spLocks noGrp="1"/>
+          </p:cNvSpPr>
+          <p:nvPr>
+            <p:ph type="subTitle" idx="1"/>
+          </p:nvPr>
+        </p:nvSpPr>
+        <p:spPr>
+          <a:xfrm>
+            <a:off x="6007608" y="5879592"/>
+            <a:ext cx="5093208" cy="466344"/>
+          </a:xfrm>
+        </p:spPr>
+        <p:txBody>
+          <a:bodyPr/>
+          <a:lstStyle/>
+          <a:p>
+            <a:r>
+              <a:rPr lang="en-US" dirty="0">
+                <a:latin typeface="Montserrat" panose="00000500000000000000" pitchFamily="2" charset="0"/>
+              </a:rPr>
+              <a:t>Teaching Demo by Regel Cabrales</a:t>
+            </a:r>
+          </a:p>
+        </p:txBody>
+      </p:sp>
+      <p:pic>
+        <p:nvPicPr>
+          <p:cNvPr id="5" name="Picture 4" descr="A black cat silhouette in a circle&#10;&#10;Description automatically generated">
+            <a:extLst>
+              <a:ext uri="{FF2B5EF4-FFF2-40B4-BE49-F238E27FC236}">
+                <a16:creationId xmlns:a16="http://schemas.microsoft.com/office/drawing/2014/main" id="{36750831-FB62-717B-C1F0-CE61FD6BF879}"/>
+              </a:ext>
+            </a:extLst>
+          </p:cNvPr>
+          <p:cNvPicPr>
+            <a:picLocks noChangeAspect="1"/>
+          </p:cNvPicPr>
+          <p:nvPr/>
+        </p:nvPicPr>
+        <p:blipFill>
+          <a:blip r:embed="rId2"/>
+          <a:stretch>
+            <a:fillRect/>
+          </a:stretch>
+        </p:blipFill>
+        <p:spPr>
+          <a:xfrm>
+            <a:off x="704088" y="2071116"/>
+            <a:ext cx="1225296" cy="1225296"/>
+          </a:xfrm>
+          <a:prstGeom prst="rect">
+            <a:avLst/>
+          </a:prstGeom>
+        </p:spPr>
+      </p:pic>
+      <p:pic>
+        <p:nvPicPr>
+          <p:cNvPr id="1030" name="Picture 6" descr="Planet png images | PNGWing">
+            <a:extLst>
+              <a:ext uri="{FF2B5EF4-FFF2-40B4-BE49-F238E27FC236}">
+                <a16:creationId xmlns:a16="http://schemas.microsoft.com/office/drawing/2014/main" id="{BD0BEB34-4050-1CC9-874F-BDA423600038}"/>
+              </a:ext>
+            </a:extLst>
+          </p:cNvPr>
+          <p:cNvPicPr>
+            <a:picLocks noChangeAspect="1" noChangeArrowheads="1"/>
+          </p:cNvPicPr>
+          <p:nvPr/>
+        </p:nvPicPr>
+        <p:blipFill>
+          <a:blip r:embed="rId3">
+            <a:extLst>
+              <a:ext uri="{BEBA8EAE-BF5A-486C-A8C5-ECC9F3942E4B}">
+                <a14:imgProps xmlns:a14="http://schemas.microsoft.com/office/drawing/2010/main">
+                  <a14:imgLayer r:embed="rId4">
+                    <a14:imgEffect>
+                      <a14:backgroundRemoval t="8377" b="91518" l="6304" r="91522">
+                        <a14:foregroundMark x1="13804" y1="29424" x2="7935" y2="49948"/>
+                        <a14:foregroundMark x1="7935" y1="49948" x2="8261" y2="58115"/>
+                        <a14:foregroundMark x1="8261" y1="58115" x2="10652" y2="63979"/>
+                        <a14:foregroundMark x1="88478" y1="35288" x2="91522" y2="42932"/>
+                        <a14:foregroundMark x1="91522" y1="42932" x2="89674" y2="64084"/>
+                        <a14:foregroundMark x1="59130" y1="89634" x2="39348" y2="87958"/>
+                        <a14:foregroundMark x1="36304" y1="11518" x2="50000" y2="8377"/>
+                        <a14:foregroundMark x1="50000" y1="8377" x2="61522" y2="9215"/>
+                        <a14:foregroundMark x1="42609" y1="88691" x2="55326" y2="91623"/>
+                        <a14:foregroundMark x1="55326" y1="91623" x2="58804" y2="90157"/>
+                        <a14:foregroundMark x1="9348" y1="35707" x2="6304" y2="49738"/>
+                      </a14:backgroundRemoval>
+                    </a14:imgEffect>
+                  </a14:imgLayer>
+                </a14:imgProps>
+              </a:ext>
+              <a:ext uri="{28A0092B-C50C-407E-A947-70E740481C1C}">
+                <a14:useLocalDpi xmlns:a14="http://schemas.microsoft.com/office/drawing/2010/main" val="0"/>
+              </a:ext>
+            </a:extLst>
+          </a:blip>
+          <a:srcRect/>
+          <a:stretch>
+            <a:fillRect/>
+          </a:stretch>
+        </p:blipFill>
+        <p:spPr bwMode="auto">
+          <a:xfrm rot="17401768">
+            <a:off x="8072396" y="-3153355"/>
+            <a:ext cx="6831032" cy="7090355"/>
+          </a:xfrm>
+          <a:prstGeom prst="rect">
+            <a:avLst/>
+          </a:prstGeom>
+          <a:noFill/>
+          <a:effectLst>
+            <a:glow rad="1244600">
+              <a:srgbClr val="461959">
+                <a:alpha val="56000"/>
+              </a:srgbClr>
+            </a:glow>
+            <a:softEdge rad="127000"/>
+          </a:effectLst>
+          <a:extLst>
+            <a:ext uri="{909E8E84-426E-40DD-AFC4-6F175D3DCCD1}">
+              <a14:hiddenFill xmlns:a14="http://schemas.microsoft.com/office/drawing/2010/main">
+                <a:solidFill>
+                  <a:srgbClr val="FFFFFF"/>
+                </a:solidFill>
+              </a14:hiddenFill>
+            </a:ext>
+          </a:extLst>
+        </p:spPr>
+      </p:pic>
+    </p:spTree>
+    <p:extLst>
+      <p:ext uri="{BB962C8B-B14F-4D97-AF65-F5344CB8AC3E}">
+        <p14:creationId xmlns:p14="http://schemas.microsoft.com/office/powerpoint/2010/main" val="48479490"/>
+      </p:ext>
+    </p:extLst>
+  </p:cSld>
+  <p:clrMapOvr>
+    <a:masterClrMapping/>
+  </p:clrMapOvr>
+</p:sld>
+</file>
+
+<file path=ppt/slides/slide3.xml><?xml version="1.0" encoding="utf-8"?>
+<p:sld xmlns:a="http://schemas.openxmlformats.org/drawingml/2006/main" xmlns:r="http://schemas.openxmlformats.org/officeDocument/2006/relationships" xmlns:p="http://schemas.openxmlformats.org/presentationml/2006/main">
+  <p:cSld>
+    <p:bg>
+      <p:bgPr>
+        <a:gradFill>
+          <a:gsLst>
+            <a:gs pos="100000">
+              <a:srgbClr val="7EE787"/>
+            </a:gs>
+            <a:gs pos="58000">
+              <a:srgbClr val="6E40C9"/>
+            </a:gs>
+            <a:gs pos="17000">
+              <a:srgbClr val="461959"/>
+            </a:gs>
+          </a:gsLst>
+          <a:lin ang="2700000" scaled="1"/>
+        </a:gradFill>
+        <a:effectLst/>
+      </p:bgPr>
+    </p:bg>
+    <p:spTree>
+      <p:nvGrpSpPr>
+        <p:cNvPr id="1" name=""/>
+        <p:cNvGrpSpPr/>
+        <p:nvPr/>
+      </p:nvGrpSpPr>
+      <p:grpSpPr>
+        <a:xfrm>
+          <a:off x="0" y="0"/>
+          <a:ext cx="0" cy="0"/>
+          <a:chOff x="0" y="0"/>
+          <a:chExt cx="0" cy="0"/>
+        </a:xfrm>
+      </p:grpSpPr>
+      <p:sp>
+        <p:nvSpPr>
           <p:cNvPr id="15" name="Title 2">
             <a:extLst>
               <a:ext uri="{FF2B5EF4-FFF2-40B4-BE49-F238E27FC236}">
@@ -19743,7 +20290,7 @@
             <a:fld id="{D8DA9DAA-006C-4F4B-980E-E3DF019B24E2}" type="slidenum">
               <a:rPr lang="en-US" smtClean="0"/>
               <a:pPr/>
-              <a:t>2</a:t>
+              <a:t>3</a:t>
             </a:fld>
             <a:endParaRPr lang="en-US" dirty="0"/>
           </a:p>
@@ -19834,7 +20381,7 @@
 </p:sld>
 </file>
 
-<file path=ppt/slides/slide3.xml><?xml version="1.0" encoding="utf-8"?>
+<file path=ppt/slides/slide4.xml><?xml version="1.0" encoding="utf-8"?>
 <p:sld xmlns:a="http://schemas.openxmlformats.org/drawingml/2006/main" xmlns:r="http://schemas.openxmlformats.org/officeDocument/2006/relationships" xmlns:p="http://schemas.openxmlformats.org/presentationml/2006/main">
   <p:cSld>
     <p:spTree>
@@ -20233,7 +20780,7 @@
 </p:sld>
 </file>
 
-<file path=ppt/slides/slide4.xml><?xml version="1.0" encoding="utf-8"?>
+<file path=ppt/slides/slide5.xml><?xml version="1.0" encoding="utf-8"?>
 <p:sld xmlns:a="http://schemas.openxmlformats.org/drawingml/2006/main" xmlns:r="http://schemas.openxmlformats.org/officeDocument/2006/relationships" xmlns:p="http://schemas.openxmlformats.org/presentationml/2006/main">
   <p:cSld>
     <p:spTree>
@@ -20886,7 +21433,7 @@
 </p:sld>
 </file>
 
-<file path=ppt/slides/slide5.xml><?xml version="1.0" encoding="utf-8"?>
+<file path=ppt/slides/slide6.xml><?xml version="1.0" encoding="utf-8"?>
 <p:sld xmlns:a="http://schemas.openxmlformats.org/drawingml/2006/main" xmlns:r="http://schemas.openxmlformats.org/officeDocument/2006/relationships" xmlns:p="http://schemas.openxmlformats.org/presentationml/2006/main">
   <p:cSld>
     <p:spTree>
@@ -21575,7 +22122,7 @@
 </p:sld>
 </file>
 
-<file path=ppt/slides/slide6.xml><?xml version="1.0" encoding="utf-8"?>
+<file path=ppt/slides/slide7.xml><?xml version="1.0" encoding="utf-8"?>
 <p:sld xmlns:a="http://schemas.openxmlformats.org/drawingml/2006/main" xmlns:r="http://schemas.openxmlformats.org/officeDocument/2006/relationships" xmlns:p="http://schemas.openxmlformats.org/presentationml/2006/main">
   <p:cSld>
     <p:spTree>
@@ -21884,7 +22431,7 @@
 </p:sld>
 </file>
 
-<file path=ppt/slides/slide7.xml><?xml version="1.0" encoding="utf-8"?>
+<file path=ppt/slides/slide8.xml><?xml version="1.0" encoding="utf-8"?>
 <p:sld xmlns:a="http://schemas.openxmlformats.org/drawingml/2006/main" xmlns:r="http://schemas.openxmlformats.org/officeDocument/2006/relationships" xmlns:p="http://schemas.openxmlformats.org/presentationml/2006/main">
   <p:cSld>
     <p:spTree>
@@ -22184,321 +22731,6 @@
     <p:extLst>
       <p:ext uri="{BB962C8B-B14F-4D97-AF65-F5344CB8AC3E}">
         <p14:creationId xmlns:p14="http://schemas.microsoft.com/office/powerpoint/2010/main" val="657131836"/>
-      </p:ext>
-    </p:extLst>
-  </p:cSld>
-  <p:clrMapOvr>
-    <a:masterClrMapping/>
-  </p:clrMapOvr>
-</p:sld>
-</file>
-
-<file path=ppt/slides/slide8.xml><?xml version="1.0" encoding="utf-8"?>
-<p:sld xmlns:a="http://schemas.openxmlformats.org/drawingml/2006/main" xmlns:r="http://schemas.openxmlformats.org/officeDocument/2006/relationships" xmlns:p="http://schemas.openxmlformats.org/presentationml/2006/main">
-  <p:cSld>
-    <p:spTree>
-      <p:nvGrpSpPr>
-        <p:cNvPr id="1" name=""/>
-        <p:cNvGrpSpPr/>
-        <p:nvPr/>
-      </p:nvGrpSpPr>
-      <p:grpSpPr>
-        <a:xfrm>
-          <a:off x="0" y="0"/>
-          <a:ext cx="0" cy="0"/>
-          <a:chOff x="0" y="0"/>
-          <a:chExt cx="0" cy="0"/>
-        </a:xfrm>
-      </p:grpSpPr>
-      <p:sp>
-        <p:nvSpPr>
-          <p:cNvPr id="3" name="Title 2">
-            <a:extLst>
-              <a:ext uri="{FF2B5EF4-FFF2-40B4-BE49-F238E27FC236}">
-                <a16:creationId xmlns:a16="http://schemas.microsoft.com/office/drawing/2014/main" id="{0115FF41-AFA4-4D25-AB42-AB034F4B4FEC}"/>
-              </a:ext>
-            </a:extLst>
-          </p:cNvPr>
-          <p:cNvSpPr>
-            <a:spLocks noGrp="1"/>
-          </p:cNvSpPr>
-          <p:nvPr>
-            <p:ph type="title"/>
-          </p:nvPr>
-        </p:nvSpPr>
-        <p:spPr>
-          <a:xfrm>
-            <a:off x="983742" y="742950"/>
-            <a:ext cx="4588383" cy="1179576"/>
-          </a:xfrm>
-        </p:spPr>
-        <p:txBody>
-          <a:bodyPr>
-            <a:normAutofit/>
-          </a:bodyPr>
-          <a:lstStyle/>
-          <a:p>
-            <a:r>
-              <a:rPr lang="en-US" sz="4800" dirty="0">
-                <a:solidFill>
-                  <a:srgbClr val="100614"/>
-                </a:solidFill>
-                <a:latin typeface="Montserrat" panose="00000500000000000000" pitchFamily="2" charset="0"/>
-              </a:rPr>
-              <a:t>Installing Git</a:t>
-            </a:r>
-            <a:endParaRPr lang="en-US" sz="7200" dirty="0">
-              <a:solidFill>
-                <a:srgbClr val="100614"/>
-              </a:solidFill>
-              <a:latin typeface="Montserrat" panose="00000500000000000000" pitchFamily="2" charset="0"/>
-            </a:endParaRPr>
-          </a:p>
-        </p:txBody>
-      </p:sp>
-      <p:sp>
-        <p:nvSpPr>
-          <p:cNvPr id="4" name="Content Placeholder 3">
-            <a:extLst>
-              <a:ext uri="{FF2B5EF4-FFF2-40B4-BE49-F238E27FC236}">
-                <a16:creationId xmlns:a16="http://schemas.microsoft.com/office/drawing/2014/main" id="{B0881FA9-F3B0-4912-B0E1-352094195C30}"/>
-              </a:ext>
-            </a:extLst>
-          </p:cNvPr>
-          <p:cNvSpPr>
-            <a:spLocks noGrp="1"/>
-          </p:cNvSpPr>
-          <p:nvPr>
-            <p:ph idx="1"/>
-          </p:nvPr>
-        </p:nvSpPr>
-        <p:spPr>
-          <a:xfrm>
-            <a:off x="1059942" y="2058636"/>
-            <a:ext cx="6190488" cy="4399314"/>
-          </a:xfrm>
-        </p:spPr>
-        <p:txBody>
-          <a:bodyPr>
-            <a:normAutofit/>
-          </a:bodyPr>
-          <a:lstStyle/>
-          <a:p>
-            <a:pPr marL="457200" indent="-457200">
-              <a:lnSpc>
-                <a:spcPct val="100000"/>
-              </a:lnSpc>
-              <a:spcBef>
-                <a:spcPts val="600"/>
-              </a:spcBef>
-              <a:buAutoNum type="arabicPeriod"/>
-            </a:pPr>
-            <a:r>
-              <a:rPr lang="en-US" dirty="0">
-                <a:solidFill>
-                  <a:srgbClr val="100614"/>
-                </a:solidFill>
-                <a:latin typeface="Montserrat" panose="00000500000000000000" pitchFamily="2" charset="0"/>
-              </a:rPr>
-              <a:t>Download </a:t>
-            </a:r>
-            <a:r>
-              <a:rPr lang="en-US" b="1" dirty="0">
-                <a:solidFill>
-                  <a:srgbClr val="100614"/>
-                </a:solidFill>
-                <a:latin typeface="Montserrat" panose="00000500000000000000" pitchFamily="2" charset="0"/>
-              </a:rPr>
-              <a:t>Git</a:t>
-            </a:r>
-            <a:r>
-              <a:rPr lang="en-US" dirty="0">
-                <a:solidFill>
-                  <a:srgbClr val="100614"/>
-                </a:solidFill>
-                <a:latin typeface="Montserrat" panose="00000500000000000000" pitchFamily="2" charset="0"/>
-              </a:rPr>
-              <a:t> - </a:t>
-            </a:r>
-            <a:r>
-              <a:rPr lang="en-US" u="sng" dirty="0">
-                <a:solidFill>
-                  <a:srgbClr val="100614"/>
-                </a:solidFill>
-                <a:latin typeface="Montserrat" panose="00000500000000000000" pitchFamily="2" charset="0"/>
-              </a:rPr>
-              <a:t>https://git-scm.com/downloads</a:t>
-            </a:r>
-          </a:p>
-          <a:p>
-            <a:pPr marL="457200" indent="-457200">
-              <a:lnSpc>
-                <a:spcPct val="100000"/>
-              </a:lnSpc>
-              <a:spcBef>
-                <a:spcPts val="600"/>
-              </a:spcBef>
-              <a:buAutoNum type="arabicPeriod"/>
-            </a:pPr>
-            <a:r>
-              <a:rPr lang="en-US" dirty="0">
-                <a:solidFill>
-                  <a:srgbClr val="100614"/>
-                </a:solidFill>
-                <a:latin typeface="Montserrat" panose="00000500000000000000" pitchFamily="2" charset="0"/>
-              </a:rPr>
-              <a:t>Download </a:t>
-            </a:r>
-            <a:r>
-              <a:rPr lang="en-US" b="1" dirty="0" err="1">
-                <a:solidFill>
-                  <a:srgbClr val="100614"/>
-                </a:solidFill>
-                <a:latin typeface="Montserrat" panose="00000500000000000000" pitchFamily="2" charset="0"/>
-              </a:rPr>
-              <a:t>cmder</a:t>
-            </a:r>
-            <a:r>
-              <a:rPr lang="en-US" dirty="0">
-                <a:solidFill>
-                  <a:srgbClr val="100614"/>
-                </a:solidFill>
-                <a:latin typeface="Montserrat" panose="00000500000000000000" pitchFamily="2" charset="0"/>
-              </a:rPr>
-              <a:t> - </a:t>
-            </a:r>
-            <a:r>
-              <a:rPr lang="en-US" u="sng" dirty="0">
-                <a:solidFill>
-                  <a:srgbClr val="100614"/>
-                </a:solidFill>
-                <a:latin typeface="Montserrat" panose="00000500000000000000" pitchFamily="2" charset="0"/>
-              </a:rPr>
-              <a:t>https://cmder.app</a:t>
-            </a:r>
-          </a:p>
-          <a:p>
-            <a:pPr marL="457200" indent="-457200">
-              <a:lnSpc>
-                <a:spcPct val="100000"/>
-              </a:lnSpc>
-              <a:spcBef>
-                <a:spcPts val="600"/>
-              </a:spcBef>
-              <a:buAutoNum type="arabicPeriod"/>
-            </a:pPr>
-            <a:r>
-              <a:rPr lang="en-US" dirty="0">
-                <a:solidFill>
-                  <a:srgbClr val="100614"/>
-                </a:solidFill>
-                <a:latin typeface="Montserrat" panose="00000500000000000000" pitchFamily="2" charset="0"/>
-              </a:rPr>
-              <a:t>Download </a:t>
-            </a:r>
-            <a:r>
-              <a:rPr lang="en-US" b="1" dirty="0">
-                <a:solidFill>
-                  <a:srgbClr val="100614"/>
-                </a:solidFill>
-                <a:latin typeface="Montserrat" panose="00000500000000000000" pitchFamily="2" charset="0"/>
-              </a:rPr>
-              <a:t>VS Code </a:t>
-            </a:r>
-            <a:r>
-              <a:rPr lang="en-US" dirty="0">
-                <a:solidFill>
-                  <a:srgbClr val="100614"/>
-                </a:solidFill>
-                <a:latin typeface="Montserrat" panose="00000500000000000000" pitchFamily="2" charset="0"/>
-              </a:rPr>
-              <a:t>- </a:t>
-            </a:r>
-            <a:r>
-              <a:rPr lang="en-US" u="sng" dirty="0">
-                <a:solidFill>
-                  <a:srgbClr val="100614"/>
-                </a:solidFill>
-                <a:latin typeface="Montserrat" panose="00000500000000000000" pitchFamily="2" charset="0"/>
-              </a:rPr>
-              <a:t>https://code.visualstudio.com</a:t>
-            </a:r>
-            <a:endParaRPr lang="en-US" sz="2000" u="sng" dirty="0">
-              <a:solidFill>
-                <a:srgbClr val="100614"/>
-              </a:solidFill>
-              <a:latin typeface="Montserrat" panose="00000500000000000000" pitchFamily="2" charset="0"/>
-            </a:endParaRPr>
-          </a:p>
-        </p:txBody>
-      </p:sp>
-      <p:pic>
-        <p:nvPicPr>
-          <p:cNvPr id="7" name="Picture 6">
-            <a:extLst>
-              <a:ext uri="{FF2B5EF4-FFF2-40B4-BE49-F238E27FC236}">
-                <a16:creationId xmlns:a16="http://schemas.microsoft.com/office/drawing/2014/main" id="{898D68A4-76A4-D29F-B567-B7D87FD742AF}"/>
-              </a:ext>
-            </a:extLst>
-          </p:cNvPr>
-          <p:cNvPicPr>
-            <a:picLocks noChangeAspect="1"/>
-          </p:cNvPicPr>
-          <p:nvPr/>
-        </p:nvPicPr>
-        <p:blipFill>
-          <a:blip r:embed="rId3"/>
-          <a:stretch>
-            <a:fillRect/>
-          </a:stretch>
-        </p:blipFill>
-        <p:spPr>
-          <a:xfrm>
-            <a:off x="7878507" y="1156524"/>
-            <a:ext cx="3329751" cy="3329751"/>
-          </a:xfrm>
-          <a:prstGeom prst="rect">
-            <a:avLst/>
-          </a:prstGeom>
-        </p:spPr>
-      </p:pic>
-      <p:sp>
-        <p:nvSpPr>
-          <p:cNvPr id="8" name="Footer Placeholder 9">
-            <a:extLst>
-              <a:ext uri="{FF2B5EF4-FFF2-40B4-BE49-F238E27FC236}">
-                <a16:creationId xmlns:a16="http://schemas.microsoft.com/office/drawing/2014/main" id="{82C076CE-C655-6690-CD8B-EA9D8783F50A}"/>
-              </a:ext>
-            </a:extLst>
-          </p:cNvPr>
-          <p:cNvSpPr>
-            <a:spLocks noGrp="1"/>
-          </p:cNvSpPr>
-          <p:nvPr>
-            <p:ph type="ftr" sz="quarter" idx="11"/>
-          </p:nvPr>
-        </p:nvSpPr>
-        <p:spPr>
-          <a:xfrm>
-            <a:off x="7407782" y="627062"/>
-            <a:ext cx="3800476" cy="365125"/>
-          </a:xfrm>
-        </p:spPr>
-        <p:txBody>
-          <a:bodyPr/>
-          <a:lstStyle/>
-          <a:p>
-            <a:r>
-              <a:rPr lang="en-US" sz="1400" dirty="0"/>
-              <a:t>Install and Setup Git</a:t>
-            </a:r>
-          </a:p>
-        </p:txBody>
-      </p:sp>
-    </p:spTree>
-    <p:extLst>
-      <p:ext uri="{BB962C8B-B14F-4D97-AF65-F5344CB8AC3E}">
-        <p14:creationId xmlns:p14="http://schemas.microsoft.com/office/powerpoint/2010/main" val="418586089"/>
       </p:ext>
     </p:extLst>
   </p:cSld>
@@ -22543,54 +22775,8 @@
         </p:nvSpPr>
         <p:spPr>
           <a:xfrm>
-            <a:off x="736091" y="982662"/>
-            <a:ext cx="6112383" cy="1179576"/>
-          </a:xfrm>
-        </p:spPr>
-        <p:txBody>
-          <a:bodyPr>
-            <a:normAutofit fontScale="90000"/>
-          </a:bodyPr>
-          <a:lstStyle/>
-          <a:p>
-            <a:r>
-              <a:rPr lang="en-US" sz="4800" dirty="0">
-                <a:solidFill>
-                  <a:srgbClr val="100614"/>
-                </a:solidFill>
-                <a:latin typeface="Montserrat" panose="00000500000000000000" pitchFamily="2" charset="0"/>
-              </a:rPr>
-              <a:t>Repositories (Repo’s)</a:t>
-            </a:r>
-            <a:endParaRPr lang="en-US" sz="7200" dirty="0">
-              <a:solidFill>
-                <a:srgbClr val="100614"/>
-              </a:solidFill>
-              <a:latin typeface="Montserrat" panose="00000500000000000000" pitchFamily="2" charset="0"/>
-            </a:endParaRPr>
-          </a:p>
-        </p:txBody>
-      </p:sp>
-      <p:sp>
-        <p:nvSpPr>
-          <p:cNvPr id="4" name="Content Placeholder 3">
-            <a:extLst>
-              <a:ext uri="{FF2B5EF4-FFF2-40B4-BE49-F238E27FC236}">
-                <a16:creationId xmlns:a16="http://schemas.microsoft.com/office/drawing/2014/main" id="{B0881FA9-F3B0-4912-B0E1-352094195C30}"/>
-              </a:ext>
-            </a:extLst>
-          </p:cNvPr>
-          <p:cNvSpPr>
-            <a:spLocks noGrp="1"/>
-          </p:cNvSpPr>
-          <p:nvPr>
-            <p:ph idx="1"/>
-          </p:nvPr>
-        </p:nvSpPr>
-        <p:spPr>
-          <a:xfrm>
-            <a:off x="983741" y="2430111"/>
-            <a:ext cx="6190488" cy="2208564"/>
+            <a:off x="983742" y="742950"/>
+            <a:ext cx="4588383" cy="1179576"/>
           </a:xfrm>
         </p:spPr>
         <p:txBody>
@@ -22599,76 +22785,30 @@
           </a:bodyPr>
           <a:lstStyle/>
           <a:p>
-            <a:pPr marL="342900" indent="-342900">
-              <a:lnSpc>
-                <a:spcPct val="100000"/>
-              </a:lnSpc>
-              <a:spcBef>
-                <a:spcPts val="600"/>
-              </a:spcBef>
-              <a:buFont typeface="Wingdings" panose="05000000000000000000" pitchFamily="2" charset="2"/>
-              <a:buChar char="ª"/>
-            </a:pPr>
-            <a:r>
-              <a:rPr lang="en-US" sz="2400" dirty="0">
+            <a:r>
+              <a:rPr lang="en-US" sz="4800" dirty="0">
                 <a:solidFill>
                   <a:srgbClr val="100614"/>
                 </a:solidFill>
                 <a:latin typeface="Montserrat" panose="00000500000000000000" pitchFamily="2" charset="0"/>
               </a:rPr>
-              <a:t>Container for a project you want to track with Git</a:t>
-            </a:r>
-          </a:p>
-          <a:p>
-            <a:pPr marL="342900" indent="-342900">
-              <a:lnSpc>
-                <a:spcPct val="100000"/>
-              </a:lnSpc>
-              <a:spcBef>
-                <a:spcPts val="600"/>
-              </a:spcBef>
-              <a:buFont typeface="Wingdings" panose="05000000000000000000" pitchFamily="2" charset="2"/>
-              <a:buChar char="ª"/>
-            </a:pPr>
-            <a:r>
-              <a:rPr lang="en-US" sz="2400" dirty="0">
-                <a:solidFill>
-                  <a:srgbClr val="100614"/>
-                </a:solidFill>
-                <a:latin typeface="Montserrat" panose="00000500000000000000" pitchFamily="2" charset="0"/>
-              </a:rPr>
-              <a:t>Local or Remote</a:t>
-            </a:r>
-          </a:p>
-          <a:p>
-            <a:pPr marL="342900" indent="-342900">
-              <a:lnSpc>
-                <a:spcPct val="100000"/>
-              </a:lnSpc>
-              <a:spcBef>
-                <a:spcPts val="600"/>
-              </a:spcBef>
-              <a:buFont typeface="Wingdings" panose="05000000000000000000" pitchFamily="2" charset="2"/>
-              <a:buChar char="ª"/>
-            </a:pPr>
-            <a:r>
-              <a:rPr lang="en-US" sz="2400" dirty="0">
-                <a:solidFill>
-                  <a:srgbClr val="100614"/>
-                </a:solidFill>
-                <a:latin typeface="Montserrat" panose="00000500000000000000" pitchFamily="2" charset="0"/>
-              </a:rPr>
-              <a:t>There can be multiple repo’s for different projects on your computer</a:t>
-            </a:r>
+              <a:t>Installing Git</a:t>
+            </a:r>
+            <a:endParaRPr lang="en-US" sz="7200" dirty="0">
+              <a:solidFill>
+                <a:srgbClr val="100614"/>
+              </a:solidFill>
+              <a:latin typeface="Montserrat" panose="00000500000000000000" pitchFamily="2" charset="0"/>
+            </a:endParaRPr>
           </a:p>
         </p:txBody>
       </p:sp>
       <p:sp>
         <p:nvSpPr>
-          <p:cNvPr id="8" name="Footer Placeholder 9">
-            <a:extLst>
-              <a:ext uri="{FF2B5EF4-FFF2-40B4-BE49-F238E27FC236}">
-                <a16:creationId xmlns:a16="http://schemas.microsoft.com/office/drawing/2014/main" id="{82C076CE-C655-6690-CD8B-EA9D8783F50A}"/>
+          <p:cNvPr id="4" name="Content Placeholder 3">
+            <a:extLst>
+              <a:ext uri="{FF2B5EF4-FFF2-40B4-BE49-F238E27FC236}">
+                <a16:creationId xmlns:a16="http://schemas.microsoft.com/office/drawing/2014/main" id="{B0881FA9-F3B0-4912-B0E1-352094195C30}"/>
               </a:ext>
             </a:extLst>
           </p:cNvPr>
@@ -22676,32 +22816,175 @@
             <a:spLocks noGrp="1"/>
           </p:cNvSpPr>
           <p:nvPr>
-            <p:ph type="ftr" sz="quarter" idx="11"/>
+            <p:ph idx="1"/>
           </p:nvPr>
         </p:nvSpPr>
         <p:spPr>
           <a:xfrm>
-            <a:off x="7981949" y="617537"/>
-            <a:ext cx="3800476" cy="365125"/>
+            <a:off x="1059942" y="2058636"/>
+            <a:ext cx="6190488" cy="4399314"/>
           </a:xfrm>
         </p:spPr>
         <p:txBody>
-          <a:bodyPr/>
+          <a:bodyPr>
+            <a:normAutofit/>
+          </a:bodyPr>
           <a:lstStyle/>
           <a:p>
-            <a:r>
-              <a:rPr lang="en-US" sz="1400" dirty="0"/>
-              <a:t>What is Git and how it works</a:t>
-            </a:r>
+            <a:pPr marL="457200" indent="-457200">
+              <a:lnSpc>
+                <a:spcPct val="100000"/>
+              </a:lnSpc>
+              <a:spcBef>
+                <a:spcPts val="600"/>
+              </a:spcBef>
+              <a:buAutoNum type="arabicPeriod"/>
+            </a:pPr>
+            <a:r>
+              <a:rPr lang="en-US" dirty="0">
+                <a:solidFill>
+                  <a:srgbClr val="100614"/>
+                </a:solidFill>
+                <a:latin typeface="Montserrat" panose="00000500000000000000" pitchFamily="2" charset="0"/>
+              </a:rPr>
+              <a:t>Download </a:t>
+            </a:r>
+            <a:r>
+              <a:rPr lang="en-US" b="1" dirty="0">
+                <a:solidFill>
+                  <a:srgbClr val="100614"/>
+                </a:solidFill>
+                <a:latin typeface="Montserrat" panose="00000500000000000000" pitchFamily="2" charset="0"/>
+              </a:rPr>
+              <a:t>Git</a:t>
+            </a:r>
+            <a:r>
+              <a:rPr lang="en-US" dirty="0">
+                <a:solidFill>
+                  <a:srgbClr val="100614"/>
+                </a:solidFill>
+                <a:latin typeface="Montserrat" panose="00000500000000000000" pitchFamily="2" charset="0"/>
+              </a:rPr>
+              <a:t> - </a:t>
+            </a:r>
+            <a:r>
+              <a:rPr lang="en-US" u="sng" dirty="0">
+                <a:solidFill>
+                  <a:srgbClr val="100614"/>
+                </a:solidFill>
+                <a:latin typeface="Montserrat" panose="00000500000000000000" pitchFamily="2" charset="0"/>
+              </a:rPr>
+              <a:t>https://git-scm.com/downloads</a:t>
+            </a:r>
+          </a:p>
+          <a:p>
+            <a:pPr marL="457200" indent="-457200">
+              <a:lnSpc>
+                <a:spcPct val="100000"/>
+              </a:lnSpc>
+              <a:spcBef>
+                <a:spcPts val="600"/>
+              </a:spcBef>
+              <a:buAutoNum type="arabicPeriod"/>
+            </a:pPr>
+            <a:r>
+              <a:rPr lang="en-US" dirty="0">
+                <a:solidFill>
+                  <a:srgbClr val="100614"/>
+                </a:solidFill>
+                <a:latin typeface="Montserrat" panose="00000500000000000000" pitchFamily="2" charset="0"/>
+              </a:rPr>
+              <a:t>Download </a:t>
+            </a:r>
+            <a:r>
+              <a:rPr lang="en-US" b="1" dirty="0" err="1">
+                <a:solidFill>
+                  <a:srgbClr val="100614"/>
+                </a:solidFill>
+                <a:latin typeface="Montserrat" panose="00000500000000000000" pitchFamily="2" charset="0"/>
+              </a:rPr>
+              <a:t>cmder</a:t>
+            </a:r>
+            <a:r>
+              <a:rPr lang="en-US" dirty="0">
+                <a:solidFill>
+                  <a:srgbClr val="100614"/>
+                </a:solidFill>
+                <a:latin typeface="Montserrat" panose="00000500000000000000" pitchFamily="2" charset="0"/>
+              </a:rPr>
+              <a:t> - </a:t>
+            </a:r>
+            <a:r>
+              <a:rPr lang="en-US" u="sng" dirty="0">
+                <a:solidFill>
+                  <a:srgbClr val="100614"/>
+                </a:solidFill>
+                <a:latin typeface="Montserrat" panose="00000500000000000000" pitchFamily="2" charset="0"/>
+              </a:rPr>
+              <a:t>https://cmder.app</a:t>
+            </a:r>
+          </a:p>
+          <a:p>
+            <a:pPr marL="457200" indent="-457200">
+              <a:lnSpc>
+                <a:spcPct val="100000"/>
+              </a:lnSpc>
+              <a:spcBef>
+                <a:spcPts val="600"/>
+              </a:spcBef>
+              <a:buAutoNum type="arabicPeriod"/>
+            </a:pPr>
+            <a:r>
+              <a:rPr lang="en-US" dirty="0">
+                <a:solidFill>
+                  <a:srgbClr val="100614"/>
+                </a:solidFill>
+                <a:latin typeface="Montserrat" panose="00000500000000000000" pitchFamily="2" charset="0"/>
+              </a:rPr>
+              <a:t>Download </a:t>
+            </a:r>
+            <a:r>
+              <a:rPr lang="en-US" b="1" dirty="0">
+                <a:solidFill>
+                  <a:srgbClr val="100614"/>
+                </a:solidFill>
+                <a:latin typeface="Montserrat" panose="00000500000000000000" pitchFamily="2" charset="0"/>
+              </a:rPr>
+              <a:t>VS Code </a:t>
+            </a:r>
+            <a:r>
+              <a:rPr lang="en-US" dirty="0">
+                <a:solidFill>
+                  <a:srgbClr val="100614"/>
+                </a:solidFill>
+                <a:latin typeface="Montserrat" panose="00000500000000000000" pitchFamily="2" charset="0"/>
+              </a:rPr>
+              <a:t>- </a:t>
+            </a:r>
+            <a:r>
+              <a:rPr lang="en-US" u="sng" dirty="0">
+                <a:solidFill>
+                  <a:srgbClr val="100614"/>
+                </a:solidFill>
+                <a:latin typeface="Montserrat" panose="00000500000000000000" pitchFamily="2" charset="0"/>
+              </a:rPr>
+              <a:t>https://code.visualstudio.com</a:t>
+            </a:r>
+            <a:endParaRPr lang="en-US" sz="2000" u="sng" dirty="0">
+              <a:solidFill>
+                <a:srgbClr val="100614"/>
+              </a:solidFill>
+              <a:latin typeface="Montserrat" panose="00000500000000000000" pitchFamily="2" charset="0"/>
+            </a:endParaRPr>
           </a:p>
         </p:txBody>
       </p:sp>
       <p:pic>
         <p:nvPicPr>
-          <p:cNvPr id="2" name="Picture 1">
-            <a:extLst>
-              <a:ext uri="{FF2B5EF4-FFF2-40B4-BE49-F238E27FC236}">
-                <a16:creationId xmlns:a16="http://schemas.microsoft.com/office/drawing/2014/main" id="{AEAB29A9-4FC9-5C87-5907-02834106BB1C}"/>
+          <p:cNvPr id="7" name="Picture 6">
+            <a:extLst>
+              <a:ext uri="{FF2B5EF4-FFF2-40B4-BE49-F238E27FC236}">
+                <a16:creationId xmlns:a16="http://schemas.microsoft.com/office/drawing/2014/main" id="{898D68A4-76A4-D29F-B567-B7D87FD742AF}"/>
               </a:ext>
             </a:extLst>
           </p:cNvPr>
@@ -22718,18 +23001,51 @@
         </p:blipFill>
         <p:spPr>
           <a:xfrm>
-            <a:off x="8048624" y="1498807"/>
-            <a:ext cx="2904838" cy="2904838"/>
+            <a:off x="7878507" y="1156524"/>
+            <a:ext cx="3329751" cy="3329751"/>
           </a:xfrm>
           <a:prstGeom prst="rect">
             <a:avLst/>
           </a:prstGeom>
         </p:spPr>
       </p:pic>
+      <p:sp>
+        <p:nvSpPr>
+          <p:cNvPr id="8" name="Footer Placeholder 9">
+            <a:extLst>
+              <a:ext uri="{FF2B5EF4-FFF2-40B4-BE49-F238E27FC236}">
+                <a16:creationId xmlns:a16="http://schemas.microsoft.com/office/drawing/2014/main" id="{82C076CE-C655-6690-CD8B-EA9D8783F50A}"/>
+              </a:ext>
+            </a:extLst>
+          </p:cNvPr>
+          <p:cNvSpPr>
+            <a:spLocks noGrp="1"/>
+          </p:cNvSpPr>
+          <p:nvPr>
+            <p:ph type="ftr" sz="quarter" idx="11"/>
+          </p:nvPr>
+        </p:nvSpPr>
+        <p:spPr>
+          <a:xfrm>
+            <a:off x="7407782" y="627062"/>
+            <a:ext cx="3800476" cy="365125"/>
+          </a:xfrm>
+        </p:spPr>
+        <p:txBody>
+          <a:bodyPr/>
+          <a:lstStyle/>
+          <a:p>
+            <a:r>
+              <a:rPr lang="en-US" sz="1400" dirty="0"/>
+              <a:t>Install and Setup Git</a:t>
+            </a:r>
+          </a:p>
+        </p:txBody>
+      </p:sp>
     </p:spTree>
     <p:extLst>
       <p:ext uri="{BB962C8B-B14F-4D97-AF65-F5344CB8AC3E}">
-        <p14:creationId xmlns:p14="http://schemas.microsoft.com/office/powerpoint/2010/main" val="2937777509"/>
+        <p14:creationId xmlns:p14="http://schemas.microsoft.com/office/powerpoint/2010/main" val="418586089"/>
       </p:ext>
     </p:extLst>
   </p:cSld>
@@ -23236,35 +23552,6 @@
 </file>
 
 <file path=customXml/item1.xml><?xml version="1.0" encoding="utf-8"?>
-<p:properties xmlns:p="http://schemas.microsoft.com/office/2006/metadata/properties" xmlns:xsi="http://www.w3.org/2001/XMLSchema-instance" xmlns:pc="http://schemas.microsoft.com/office/infopath/2007/PartnerControls">
-  <documentManagement>
-    <Status xmlns="71af3243-3dd4-4a8d-8c0d-dd76da1f02a5">Not started</Status>
-    <MediaServiceKeyPoints xmlns="71af3243-3dd4-4a8d-8c0d-dd76da1f02a5" xsi:nil="true"/>
-    <_ip_UnifiedCompliancePolicyUIAction xmlns="http://schemas.microsoft.com/sharepoint/v3" xsi:nil="true"/>
-    <Image xmlns="71af3243-3dd4-4a8d-8c0d-dd76da1f02a5">
-      <Url xsi:nil="true"/>
-      <Description xsi:nil="true"/>
-    </Image>
-    <Background xmlns="71af3243-3dd4-4a8d-8c0d-dd76da1f02a5">false</Background>
-    <_ip_UnifiedCompliancePolicyProperties xmlns="http://schemas.microsoft.com/sharepoint/v3" xsi:nil="true"/>
-    <ImageTagsTaxHTField xmlns="71af3243-3dd4-4a8d-8c0d-dd76da1f02a5">
-      <Terms xmlns="http://schemas.microsoft.com/office/infopath/2007/PartnerControls"/>
-    </ImageTagsTaxHTField>
-    <TaxCatchAll xmlns="230e9df3-be65-4c73-a93b-d1236ebd677e" xsi:nil="true"/>
-  </documentManagement>
-</p:properties>
-</file>
-
-<file path=customXml/item2.xml><?xml version="1.0" encoding="utf-8"?>
-<?mso-contentType ?>
-<FormTemplates xmlns="http://schemas.microsoft.com/sharepoint/v3/contenttype/forms">
-  <Display>DocumentLibraryForm</Display>
-  <Edit>DocumentLibraryForm</Edit>
-  <New>DocumentLibraryForm</New>
-</FormTemplates>
-</file>
-
-<file path=customXml/item3.xml><?xml version="1.0" encoding="utf-8"?>
 <ct:contentTypeSchema xmlns:ct="http://schemas.microsoft.com/office/2006/metadata/contentType" xmlns:ma="http://schemas.microsoft.com/office/2006/metadata/properties/metaAttributes" ct:_="" ma:_="" ma:contentTypeName="Document" ma:contentTypeID="0x01010079F111ED35F8CC479449609E8A0923A6" ma:contentTypeVersion="27" ma:contentTypeDescription="Create a new document." ma:contentTypeScope="" ma:versionID="c6f9a84f66a9c8b9a21755b9ffafb945">
   <xsd:schema xmlns:xsd="http://www.w3.org/2001/XMLSchema" xmlns:xs="http://www.w3.org/2001/XMLSchema" xmlns:p="http://schemas.microsoft.com/office/2006/metadata/properties" xmlns:ns1="http://schemas.microsoft.com/sharepoint/v3" xmlns:ns2="71af3243-3dd4-4a8d-8c0d-dd76da1f02a5" xmlns:ns3="16c05727-aa75-4e4a-9b5f-8a80a1165891" xmlns:ns4="230e9df3-be65-4c73-a93b-d1236ebd677e" targetNamespace="http://schemas.microsoft.com/office/2006/metadata/properties" ma:root="true" ma:fieldsID="27df39e3e7036dff54f89ddd5805ce72" ns1:_="" ns2:_="" ns3:_="" ns4:_="">
     <xsd:import namespace="http://schemas.microsoft.com/sharepoint/v3"/>
@@ -23570,27 +23857,36 @@
 </ct:contentTypeSchema>
 </file>
 
-<file path=customXml/itemProps1.xml><?xml version="1.0" encoding="utf-8"?>
-<ds:datastoreItem xmlns:ds="http://schemas.openxmlformats.org/officeDocument/2006/customXml" ds:itemID="{99919F73-B6C2-4A43-95E2-833EC48925FE}">
-  <ds:schemaRefs>
-    <ds:schemaRef ds:uri="http://schemas.microsoft.com/office/2006/metadata/properties"/>
-    <ds:schemaRef ds:uri="http://schemas.microsoft.com/office/infopath/2007/PartnerControls"/>
-    <ds:schemaRef ds:uri="71af3243-3dd4-4a8d-8c0d-dd76da1f02a5"/>
-    <ds:schemaRef ds:uri="http://schemas.microsoft.com/sharepoint/v3"/>
-    <ds:schemaRef ds:uri="230e9df3-be65-4c73-a93b-d1236ebd677e"/>
-  </ds:schemaRefs>
-</ds:datastoreItem>
+<file path=customXml/item2.xml><?xml version="1.0" encoding="utf-8"?>
+<?mso-contentType ?>
+<FormTemplates xmlns="http://schemas.microsoft.com/sharepoint/v3/contenttype/forms">
+  <Display>DocumentLibraryForm</Display>
+  <Edit>DocumentLibraryForm</Edit>
+  <New>DocumentLibraryForm</New>
+</FormTemplates>
 </file>
 
-<file path=customXml/itemProps2.xml><?xml version="1.0" encoding="utf-8"?>
-<ds:datastoreItem xmlns:ds="http://schemas.openxmlformats.org/officeDocument/2006/customXml" ds:itemID="{3C8E00D1-8EA3-4E42-801D-0253E1EAFC21}">
-  <ds:schemaRefs>
-    <ds:schemaRef ds:uri="http://schemas.microsoft.com/sharepoint/v3/contenttype/forms"/>
-  </ds:schemaRefs>
-</ds:datastoreItem>
+<file path=customXml/item3.xml><?xml version="1.0" encoding="utf-8"?>
+<p:properties xmlns:p="http://schemas.microsoft.com/office/2006/metadata/properties" xmlns:xsi="http://www.w3.org/2001/XMLSchema-instance" xmlns:pc="http://schemas.microsoft.com/office/infopath/2007/PartnerControls">
+  <documentManagement>
+    <Status xmlns="71af3243-3dd4-4a8d-8c0d-dd76da1f02a5">Not started</Status>
+    <MediaServiceKeyPoints xmlns="71af3243-3dd4-4a8d-8c0d-dd76da1f02a5" xsi:nil="true"/>
+    <_ip_UnifiedCompliancePolicyUIAction xmlns="http://schemas.microsoft.com/sharepoint/v3" xsi:nil="true"/>
+    <Image xmlns="71af3243-3dd4-4a8d-8c0d-dd76da1f02a5">
+      <Url xsi:nil="true"/>
+      <Description xsi:nil="true"/>
+    </Image>
+    <Background xmlns="71af3243-3dd4-4a8d-8c0d-dd76da1f02a5">false</Background>
+    <_ip_UnifiedCompliancePolicyProperties xmlns="http://schemas.microsoft.com/sharepoint/v3" xsi:nil="true"/>
+    <ImageTagsTaxHTField xmlns="71af3243-3dd4-4a8d-8c0d-dd76da1f02a5">
+      <Terms xmlns="http://schemas.microsoft.com/office/infopath/2007/PartnerControls"/>
+    </ImageTagsTaxHTField>
+    <TaxCatchAll xmlns="230e9df3-be65-4c73-a93b-d1236ebd677e" xsi:nil="true"/>
+  </documentManagement>
+</p:properties>
 </file>
 
-<file path=customXml/itemProps3.xml><?xml version="1.0" encoding="utf-8"?>
+<file path=customXml/itemProps1.xml><?xml version="1.0" encoding="utf-8"?>
 <ds:datastoreItem xmlns:ds="http://schemas.openxmlformats.org/officeDocument/2006/customXml" ds:itemID="{D4A67D12-FAB5-406C-9279-3EAA5A20A61A}">
   <ds:schemaRefs>
     <ds:schemaRef ds:uri="http://schemas.microsoft.com/office/2006/metadata/contentType"/>
@@ -23609,4 +23905,24 @@
     <ds:schemaRef ds:uri="http://schemas.microsoft.com/internal/obd"/>
   </ds:schemaRefs>
 </ds:datastoreItem>
+</file>
+
+<file path=customXml/itemProps2.xml><?xml version="1.0" encoding="utf-8"?>
+<ds:datastoreItem xmlns:ds="http://schemas.openxmlformats.org/officeDocument/2006/customXml" ds:itemID="{3C8E00D1-8EA3-4E42-801D-0253E1EAFC21}">
+  <ds:schemaRefs>
+    <ds:schemaRef ds:uri="http://schemas.microsoft.com/sharepoint/v3/contenttype/forms"/>
+  </ds:schemaRefs>
+</ds:datastoreItem>
+</file>
+
+<file path=customXml/itemProps3.xml><?xml version="1.0" encoding="utf-8"?>
+<ds:datastoreItem xmlns:ds="http://schemas.openxmlformats.org/officeDocument/2006/customXml" ds:itemID="{99919F73-B6C2-4A43-95E2-833EC48925FE}">
+  <ds:schemaRefs>
+    <ds:schemaRef ds:uri="http://schemas.microsoft.com/office/2006/metadata/properties"/>
+    <ds:schemaRef ds:uri="http://schemas.microsoft.com/office/infopath/2007/PartnerControls"/>
+    <ds:schemaRef ds:uri="71af3243-3dd4-4a8d-8c0d-dd76da1f02a5"/>
+    <ds:schemaRef ds:uri="http://schemas.microsoft.com/sharepoint/v3"/>
+    <ds:schemaRef ds:uri="230e9df3-be65-4c73-a93b-d1236ebd677e"/>
+  </ds:schemaRefs>
+</ds:datastoreItem>
 </file>